--- a/簡報2.pptx
+++ b/簡報2.pptx
@@ -106,7 +106,56 @@
       </a:defRPr>
     </a:lvl9pPr>
   </p:defaultTextStyle>
+  <p:extLst>
+    <p:ext uri="{EFAFB233-063F-42B5-8137-9DF3F51BA10A}">
+      <p15:sldGuideLst xmlns:p15="http://schemas.microsoft.com/office/powerpoint/2012/main"/>
+    </p:ext>
+  </p:extLst>
 </p:presentation>
+</file>
+
+<file path=ppt/changesInfos/changesInfo1.xml><?xml version="1.0" encoding="utf-8"?>
+<pc:chgInfo xmlns:a="http://schemas.openxmlformats.org/drawingml/2006/main" xmlns:r="http://schemas.openxmlformats.org/officeDocument/2006/relationships" xmlns:ac="http://schemas.microsoft.com/office/drawing/2013/main/command" xmlns:pc="http://schemas.microsoft.com/office/powerpoint/2013/main/command">
+  <pc:docChgLst>
+    <pc:chgData name="致汎 郭" userId="704077e5706ada2f" providerId="LiveId" clId="{0F3813BE-5F20-4DEF-B426-F4BA1E3BFBFF}"/>
+    <pc:docChg chg="modSld">
+      <pc:chgData name="致汎 郭" userId="704077e5706ada2f" providerId="LiveId" clId="{0F3813BE-5F20-4DEF-B426-F4BA1E3BFBFF}" dt="2022-05-15T09:56:56.972" v="3" actId="1076"/>
+      <pc:docMkLst>
+        <pc:docMk/>
+      </pc:docMkLst>
+      <pc:sldChg chg="modSp mod">
+        <pc:chgData name="致汎 郭" userId="704077e5706ada2f" providerId="LiveId" clId="{0F3813BE-5F20-4DEF-B426-F4BA1E3BFBFF}" dt="2022-05-15T09:56:56.972" v="3" actId="1076"/>
+        <pc:sldMkLst>
+          <pc:docMk/>
+          <pc:sldMk cId="2521929305" sldId="256"/>
+        </pc:sldMkLst>
+        <pc:spChg chg="mod">
+          <ac:chgData name="致汎 郭" userId="704077e5706ada2f" providerId="LiveId" clId="{0F3813BE-5F20-4DEF-B426-F4BA1E3BFBFF}" dt="2022-05-15T09:56:56.972" v="3" actId="1076"/>
+          <ac:spMkLst>
+            <pc:docMk/>
+            <pc:sldMk cId="2521929305" sldId="256"/>
+            <ac:spMk id="5" creationId="{00000000-0000-0000-0000-000000000000}"/>
+          </ac:spMkLst>
+        </pc:spChg>
+      </pc:sldChg>
+      <pc:sldChg chg="modSp mod">
+        <pc:chgData name="致汎 郭" userId="704077e5706ada2f" providerId="LiveId" clId="{0F3813BE-5F20-4DEF-B426-F4BA1E3BFBFF}" dt="2022-05-15T09:55:14.058" v="2" actId="1076"/>
+        <pc:sldMkLst>
+          <pc:docMk/>
+          <pc:sldMk cId="3636498031" sldId="258"/>
+        </pc:sldMkLst>
+        <pc:picChg chg="mod">
+          <ac:chgData name="致汎 郭" userId="704077e5706ada2f" providerId="LiveId" clId="{0F3813BE-5F20-4DEF-B426-F4BA1E3BFBFF}" dt="2022-05-15T09:55:14.058" v="2" actId="1076"/>
+          <ac:picMkLst>
+            <pc:docMk/>
+            <pc:sldMk cId="3636498031" sldId="258"/>
+            <ac:picMk id="4" creationId="{00000000-0000-0000-0000-000000000000}"/>
+          </ac:picMkLst>
+        </pc:picChg>
+      </pc:sldChg>
+    </pc:docChg>
+  </pc:docChgLst>
+</pc:chgInfo>
 </file>
 
 <file path=ppt/slideLayouts/slideLayout1.xml><?xml version="1.0" encoding="utf-8"?>
@@ -153,7 +202,7 @@
           </a:lstStyle>
           <a:p>
             <a:r>
-              <a:rPr lang="zh-TW" altLang="en-US" smtClean="0"/>
+              <a:rPr lang="zh-TW" altLang="en-US"/>
               <a:t>按一下以編輯母片標題樣式</a:t>
             </a:r>
             <a:endParaRPr lang="en-US" dirty="0"/>
@@ -273,7 +322,7 @@
           </a:lstStyle>
           <a:p>
             <a:r>
-              <a:rPr lang="zh-TW" altLang="en-US" smtClean="0"/>
+              <a:rPr lang="zh-TW" altLang="en-US"/>
               <a:t>按一下以編輯母片副標題樣式</a:t>
             </a:r>
             <a:endParaRPr lang="en-US" dirty="0"/>
@@ -298,7 +347,7 @@
             <a:fld id="{B61BEF0D-F0BB-DE4B-95CE-6DB70DBA9567}" type="datetimeFigureOut">
               <a:rPr lang="en-US" dirty="0"/>
               <a:pPr/>
-              <a:t>5/13/2022</a:t>
+              <a:t>5/15/2022</a:t>
             </a:fld>
             <a:endParaRPr lang="en-US" dirty="0"/>
           </a:p>
@@ -486,7 +535,7 @@
           </a:lstStyle>
           <a:p>
             <a:r>
-              <a:rPr lang="zh-TW" altLang="en-US" smtClean="0"/>
+              <a:rPr lang="zh-TW" altLang="en-US"/>
               <a:t>按一下以編輯母片標題樣式</a:t>
             </a:r>
             <a:endParaRPr lang="en-US" dirty="0"/>
@@ -609,7 +658,7 @@
           <a:p>
             <a:pPr lvl="0"/>
             <a:r>
-              <a:rPr lang="zh-TW" altLang="en-US" smtClean="0"/>
+              <a:rPr lang="zh-TW" altLang="en-US"/>
               <a:t>編輯母片文字樣式</a:t>
             </a:r>
           </a:p>
@@ -633,7 +682,7 @@
             <a:fld id="{B61BEF0D-F0BB-DE4B-95CE-6DB70DBA9567}" type="datetimeFigureOut">
               <a:rPr lang="en-US" dirty="0"/>
               <a:pPr/>
-              <a:t>5/13/2022</a:t>
+              <a:t>5/15/2022</a:t>
             </a:fld>
             <a:endParaRPr lang="en-US" dirty="0"/>
           </a:p>
@@ -821,7 +870,7 @@
           </a:lstStyle>
           <a:p>
             <a:r>
-              <a:rPr lang="zh-TW" altLang="en-US" smtClean="0"/>
+              <a:rPr lang="zh-TW" altLang="en-US"/>
               <a:t>按一下以編輯母片標題樣式</a:t>
             </a:r>
             <a:endParaRPr lang="en-US" dirty="0"/>
@@ -885,7 +934,7 @@
           <a:p>
             <a:pPr lvl="0"/>
             <a:r>
-              <a:rPr lang="zh-TW" altLang="en-US" smtClean="0"/>
+              <a:rPr lang="zh-TW" altLang="en-US"/>
               <a:t>編輯母片文字樣式</a:t>
             </a:r>
           </a:p>
@@ -1007,7 +1056,7 @@
           <a:p>
             <a:pPr lvl="0"/>
             <a:r>
-              <a:rPr lang="zh-TW" altLang="en-US" smtClean="0"/>
+              <a:rPr lang="zh-TW" altLang="en-US"/>
               <a:t>編輯母片文字樣式</a:t>
             </a:r>
           </a:p>
@@ -1031,7 +1080,7 @@
             <a:fld id="{B61BEF0D-F0BB-DE4B-95CE-6DB70DBA9567}" type="datetimeFigureOut">
               <a:rPr lang="en-US" dirty="0"/>
               <a:pPr/>
-              <a:t>5/13/2022</a:t>
+              <a:t>5/15/2022</a:t>
             </a:fld>
             <a:endParaRPr lang="en-US" dirty="0"/>
           </a:p>
@@ -1295,7 +1344,7 @@
           </a:lstStyle>
           <a:p>
             <a:r>
-              <a:rPr lang="zh-TW" altLang="en-US" smtClean="0"/>
+              <a:rPr lang="zh-TW" altLang="en-US"/>
               <a:t>按一下以編輯母片標題樣式</a:t>
             </a:r>
             <a:endParaRPr lang="en-US" dirty="0"/>
@@ -1340,7 +1389,7 @@
               <a:buNone/>
             </a:pPr>
             <a:r>
-              <a:rPr lang="zh-TW" altLang="en-US" smtClean="0"/>
+              <a:rPr lang="zh-TW" altLang="en-US"/>
               <a:t>編輯母片文字樣式</a:t>
             </a:r>
           </a:p>
@@ -1364,7 +1413,7 @@
             <a:fld id="{B61BEF0D-F0BB-DE4B-95CE-6DB70DBA9567}" type="datetimeFigureOut">
               <a:rPr lang="en-US" dirty="0"/>
               <a:pPr/>
-              <a:t>5/13/2022</a:t>
+              <a:t>5/15/2022</a:t>
             </a:fld>
             <a:endParaRPr lang="en-US" dirty="0"/>
           </a:p>
@@ -1552,7 +1601,7 @@
           </a:lstStyle>
           <a:p>
             <a:r>
-              <a:rPr lang="zh-TW" altLang="en-US" smtClean="0"/>
+              <a:rPr lang="zh-TW" altLang="en-US"/>
               <a:t>按一下以編輯母片標題樣式</a:t>
             </a:r>
             <a:endParaRPr lang="en-US" dirty="0"/>
@@ -1613,7 +1662,7 @@
           <a:p>
             <a:pPr lvl="0"/>
             <a:r>
-              <a:rPr lang="zh-TW" altLang="en-US" smtClean="0"/>
+              <a:rPr lang="zh-TW" altLang="en-US"/>
               <a:t>編輯母片文字樣式</a:t>
             </a:r>
           </a:p>
@@ -1657,7 +1706,7 @@
               <a:buNone/>
             </a:pPr>
             <a:r>
-              <a:rPr lang="zh-TW" altLang="en-US" smtClean="0"/>
+              <a:rPr lang="zh-TW" altLang="en-US"/>
               <a:t>編輯母片文字樣式</a:t>
             </a:r>
           </a:p>
@@ -1681,7 +1730,7 @@
             <a:fld id="{B61BEF0D-F0BB-DE4B-95CE-6DB70DBA9567}" type="datetimeFigureOut">
               <a:rPr lang="en-US" dirty="0"/>
               <a:pPr/>
-              <a:t>5/13/2022</a:t>
+              <a:t>5/15/2022</a:t>
             </a:fld>
             <a:endParaRPr lang="en-US" dirty="0"/>
           </a:p>
@@ -1945,7 +1994,7 @@
           </a:lstStyle>
           <a:p>
             <a:r>
-              <a:rPr lang="zh-TW" altLang="en-US" smtClean="0"/>
+              <a:rPr lang="zh-TW" altLang="en-US"/>
               <a:t>按一下以編輯母片標題樣式</a:t>
             </a:r>
             <a:endParaRPr lang="en-US" dirty="0"/>
@@ -2006,7 +2055,7 @@
           <a:p>
             <a:pPr lvl="0"/>
             <a:r>
-              <a:rPr lang="zh-TW" altLang="en-US" smtClean="0"/>
+              <a:rPr lang="zh-TW" altLang="en-US"/>
               <a:t>編輯母片文字樣式</a:t>
             </a:r>
           </a:p>
@@ -2050,7 +2099,7 @@
               <a:buNone/>
             </a:pPr>
             <a:r>
-              <a:rPr lang="zh-TW" altLang="en-US" smtClean="0"/>
+              <a:rPr lang="zh-TW" altLang="en-US"/>
               <a:t>編輯母片文字樣式</a:t>
             </a:r>
           </a:p>
@@ -2074,7 +2123,7 @@
             <a:fld id="{B61BEF0D-F0BB-DE4B-95CE-6DB70DBA9567}" type="datetimeFigureOut">
               <a:rPr lang="en-US" dirty="0"/>
               <a:pPr/>
-              <a:t>5/13/2022</a:t>
+              <a:t>5/15/2022</a:t>
             </a:fld>
             <a:endParaRPr lang="en-US" dirty="0"/>
           </a:p>
@@ -2251,7 +2300,7 @@
           <a:lstStyle/>
           <a:p>
             <a:r>
-              <a:rPr lang="zh-TW" altLang="en-US" smtClean="0"/>
+              <a:rPr lang="zh-TW" altLang="en-US"/>
               <a:t>按一下以編輯母片標題樣式</a:t>
             </a:r>
             <a:endParaRPr lang="en-US" dirty="0"/>
@@ -2275,35 +2324,35 @@
           <a:p>
             <a:pPr lvl="0"/>
             <a:r>
-              <a:rPr lang="zh-TW" altLang="en-US" smtClean="0"/>
+              <a:rPr lang="zh-TW" altLang="en-US"/>
               <a:t>編輯母片文字樣式</a:t>
             </a:r>
           </a:p>
           <a:p>
             <a:pPr lvl="1"/>
             <a:r>
-              <a:rPr lang="zh-TW" altLang="en-US" smtClean="0"/>
+              <a:rPr lang="zh-TW" altLang="en-US"/>
               <a:t>第二層</a:t>
             </a:r>
           </a:p>
           <a:p>
             <a:pPr lvl="2"/>
             <a:r>
-              <a:rPr lang="zh-TW" altLang="en-US" smtClean="0"/>
+              <a:rPr lang="zh-TW" altLang="en-US"/>
               <a:t>第三層</a:t>
             </a:r>
           </a:p>
           <a:p>
             <a:pPr lvl="3"/>
             <a:r>
-              <a:rPr lang="zh-TW" altLang="en-US" smtClean="0"/>
+              <a:rPr lang="zh-TW" altLang="en-US"/>
               <a:t>第四層</a:t>
             </a:r>
           </a:p>
           <a:p>
             <a:pPr lvl="4"/>
             <a:r>
-              <a:rPr lang="zh-TW" altLang="en-US" smtClean="0"/>
+              <a:rPr lang="zh-TW" altLang="en-US"/>
               <a:t>第五層</a:t>
             </a:r>
             <a:endParaRPr lang="en-US" dirty="0"/>
@@ -2328,7 +2377,7 @@
             <a:fld id="{B61BEF0D-F0BB-DE4B-95CE-6DB70DBA9567}" type="datetimeFigureOut">
               <a:rPr lang="en-US" dirty="0"/>
               <a:pPr/>
-              <a:t>5/13/2022</a:t>
+              <a:t>5/15/2022</a:t>
             </a:fld>
             <a:endParaRPr lang="en-US" dirty="0"/>
           </a:p>
@@ -2505,7 +2554,7 @@
           <a:lstStyle/>
           <a:p>
             <a:r>
-              <a:rPr lang="zh-TW" altLang="en-US" smtClean="0"/>
+              <a:rPr lang="zh-TW" altLang="en-US"/>
               <a:t>按一下以編輯母片標題樣式</a:t>
             </a:r>
             <a:endParaRPr lang="en-US" dirty="0"/>
@@ -2534,35 +2583,35 @@
           <a:p>
             <a:pPr lvl="0"/>
             <a:r>
-              <a:rPr lang="zh-TW" altLang="en-US" smtClean="0"/>
+              <a:rPr lang="zh-TW" altLang="en-US"/>
               <a:t>編輯母片文字樣式</a:t>
             </a:r>
           </a:p>
           <a:p>
             <a:pPr lvl="1"/>
             <a:r>
-              <a:rPr lang="zh-TW" altLang="en-US" smtClean="0"/>
+              <a:rPr lang="zh-TW" altLang="en-US"/>
               <a:t>第二層</a:t>
             </a:r>
           </a:p>
           <a:p>
             <a:pPr lvl="2"/>
             <a:r>
-              <a:rPr lang="zh-TW" altLang="en-US" smtClean="0"/>
+              <a:rPr lang="zh-TW" altLang="en-US"/>
               <a:t>第三層</a:t>
             </a:r>
           </a:p>
           <a:p>
             <a:pPr lvl="3"/>
             <a:r>
-              <a:rPr lang="zh-TW" altLang="en-US" smtClean="0"/>
+              <a:rPr lang="zh-TW" altLang="en-US"/>
               <a:t>第四層</a:t>
             </a:r>
           </a:p>
           <a:p>
             <a:pPr lvl="4"/>
             <a:r>
-              <a:rPr lang="zh-TW" altLang="en-US" smtClean="0"/>
+              <a:rPr lang="zh-TW" altLang="en-US"/>
               <a:t>第五層</a:t>
             </a:r>
             <a:endParaRPr lang="en-US" dirty="0"/>
@@ -2587,7 +2636,7 @@
             <a:fld id="{B61BEF0D-F0BB-DE4B-95CE-6DB70DBA9567}" type="datetimeFigureOut">
               <a:rPr lang="en-US" dirty="0"/>
               <a:pPr/>
-              <a:t>5/13/2022</a:t>
+              <a:t>5/15/2022</a:t>
             </a:fld>
             <a:endParaRPr lang="en-US" dirty="0"/>
           </a:p>
@@ -2764,7 +2813,7 @@
           <a:lstStyle/>
           <a:p>
             <a:r>
-              <a:rPr lang="zh-TW" altLang="en-US" smtClean="0"/>
+              <a:rPr lang="zh-TW" altLang="en-US"/>
               <a:t>按一下以編輯母片標題樣式</a:t>
             </a:r>
             <a:endParaRPr lang="en-US" dirty="0"/>
@@ -2793,35 +2842,35 @@
           <a:p>
             <a:pPr lvl="0"/>
             <a:r>
-              <a:rPr lang="zh-TW" altLang="en-US" smtClean="0"/>
+              <a:rPr lang="zh-TW" altLang="en-US"/>
               <a:t>編輯母片文字樣式</a:t>
             </a:r>
           </a:p>
           <a:p>
             <a:pPr lvl="1"/>
             <a:r>
-              <a:rPr lang="zh-TW" altLang="en-US" smtClean="0"/>
+              <a:rPr lang="zh-TW" altLang="en-US"/>
               <a:t>第二層</a:t>
             </a:r>
           </a:p>
           <a:p>
             <a:pPr lvl="2"/>
             <a:r>
-              <a:rPr lang="zh-TW" altLang="en-US" smtClean="0"/>
+              <a:rPr lang="zh-TW" altLang="en-US"/>
               <a:t>第三層</a:t>
             </a:r>
           </a:p>
           <a:p>
             <a:pPr lvl="3"/>
             <a:r>
-              <a:rPr lang="zh-TW" altLang="en-US" smtClean="0"/>
+              <a:rPr lang="zh-TW" altLang="en-US"/>
               <a:t>第四層</a:t>
             </a:r>
           </a:p>
           <a:p>
             <a:pPr lvl="4"/>
             <a:r>
-              <a:rPr lang="zh-TW" altLang="en-US" smtClean="0"/>
+              <a:rPr lang="zh-TW" altLang="en-US"/>
               <a:t>第五層</a:t>
             </a:r>
             <a:endParaRPr lang="en-US" dirty="0"/>
@@ -2846,7 +2895,7 @@
             <a:fld id="{B61BEF0D-F0BB-DE4B-95CE-6DB70DBA9567}" type="datetimeFigureOut">
               <a:rPr lang="en-US" dirty="0"/>
               <a:pPr/>
-              <a:t>5/13/2022</a:t>
+              <a:t>5/15/2022</a:t>
             </a:fld>
             <a:endParaRPr lang="en-US" dirty="0"/>
           </a:p>
@@ -3027,7 +3076,7 @@
           </a:lstStyle>
           <a:p>
             <a:r>
-              <a:rPr lang="zh-TW" altLang="en-US" smtClean="0"/>
+              <a:rPr lang="zh-TW" altLang="en-US"/>
               <a:t>按一下以編輯母片標題樣式</a:t>
             </a:r>
             <a:endParaRPr lang="en-US" dirty="0"/>
@@ -3148,7 +3197,7 @@
           <a:p>
             <a:pPr lvl="0"/>
             <a:r>
-              <a:rPr lang="zh-TW" altLang="en-US" smtClean="0"/>
+              <a:rPr lang="zh-TW" altLang="en-US"/>
               <a:t>編輯母片文字樣式</a:t>
             </a:r>
           </a:p>
@@ -3172,7 +3221,7 @@
             <a:fld id="{B61BEF0D-F0BB-DE4B-95CE-6DB70DBA9567}" type="datetimeFigureOut">
               <a:rPr lang="en-US" dirty="0"/>
               <a:pPr/>
-              <a:t>5/13/2022</a:t>
+              <a:t>5/15/2022</a:t>
             </a:fld>
             <a:endParaRPr lang="en-US" dirty="0"/>
           </a:p>
@@ -3349,7 +3398,7 @@
           <a:lstStyle/>
           <a:p>
             <a:r>
-              <a:rPr lang="zh-TW" altLang="en-US" smtClean="0"/>
+              <a:rPr lang="zh-TW" altLang="en-US"/>
               <a:t>按一下以編輯母片標題樣式</a:t>
             </a:r>
             <a:endParaRPr lang="en-US" dirty="0"/>
@@ -3380,35 +3429,35 @@
           <a:p>
             <a:pPr lvl="0"/>
             <a:r>
-              <a:rPr lang="zh-TW" altLang="en-US" smtClean="0"/>
+              <a:rPr lang="zh-TW" altLang="en-US"/>
               <a:t>編輯母片文字樣式</a:t>
             </a:r>
           </a:p>
           <a:p>
             <a:pPr lvl="1"/>
             <a:r>
-              <a:rPr lang="zh-TW" altLang="en-US" smtClean="0"/>
+              <a:rPr lang="zh-TW" altLang="en-US"/>
               <a:t>第二層</a:t>
             </a:r>
           </a:p>
           <a:p>
             <a:pPr lvl="2"/>
             <a:r>
-              <a:rPr lang="zh-TW" altLang="en-US" smtClean="0"/>
+              <a:rPr lang="zh-TW" altLang="en-US"/>
               <a:t>第三層</a:t>
             </a:r>
           </a:p>
           <a:p>
             <a:pPr lvl="3"/>
             <a:r>
-              <a:rPr lang="zh-TW" altLang="en-US" smtClean="0"/>
+              <a:rPr lang="zh-TW" altLang="en-US"/>
               <a:t>第四層</a:t>
             </a:r>
           </a:p>
           <a:p>
             <a:pPr lvl="4"/>
             <a:r>
-              <a:rPr lang="zh-TW" altLang="en-US" smtClean="0"/>
+              <a:rPr lang="zh-TW" altLang="en-US"/>
               <a:t>第五層</a:t>
             </a:r>
             <a:endParaRPr lang="en-US" dirty="0"/>
@@ -3439,35 +3488,35 @@
           <a:p>
             <a:pPr lvl="0"/>
             <a:r>
-              <a:rPr lang="zh-TW" altLang="en-US" smtClean="0"/>
+              <a:rPr lang="zh-TW" altLang="en-US"/>
               <a:t>編輯母片文字樣式</a:t>
             </a:r>
           </a:p>
           <a:p>
             <a:pPr lvl="1"/>
             <a:r>
-              <a:rPr lang="zh-TW" altLang="en-US" smtClean="0"/>
+              <a:rPr lang="zh-TW" altLang="en-US"/>
               <a:t>第二層</a:t>
             </a:r>
           </a:p>
           <a:p>
             <a:pPr lvl="2"/>
             <a:r>
-              <a:rPr lang="zh-TW" altLang="en-US" smtClean="0"/>
+              <a:rPr lang="zh-TW" altLang="en-US"/>
               <a:t>第三層</a:t>
             </a:r>
           </a:p>
           <a:p>
             <a:pPr lvl="3"/>
             <a:r>
-              <a:rPr lang="zh-TW" altLang="en-US" smtClean="0"/>
+              <a:rPr lang="zh-TW" altLang="en-US"/>
               <a:t>第四層</a:t>
             </a:r>
           </a:p>
           <a:p>
             <a:pPr lvl="4"/>
             <a:r>
-              <a:rPr lang="zh-TW" altLang="en-US" smtClean="0"/>
+              <a:rPr lang="zh-TW" altLang="en-US"/>
               <a:t>第五層</a:t>
             </a:r>
             <a:endParaRPr lang="en-US" dirty="0"/>
@@ -3492,7 +3541,7 @@
             <a:fld id="{B61BEF0D-F0BB-DE4B-95CE-6DB70DBA9567}" type="datetimeFigureOut">
               <a:rPr lang="en-US" dirty="0"/>
               <a:pPr/>
-              <a:t>5/13/2022</a:t>
+              <a:t>5/15/2022</a:t>
             </a:fld>
             <a:endParaRPr lang="en-US" dirty="0"/>
           </a:p>
@@ -3669,7 +3718,7 @@
           <a:lstStyle/>
           <a:p>
             <a:r>
-              <a:rPr lang="zh-TW" altLang="en-US" smtClean="0"/>
+              <a:rPr lang="zh-TW" altLang="en-US"/>
               <a:t>按一下以編輯母片標題樣式</a:t>
             </a:r>
             <a:endParaRPr lang="en-US" dirty="0"/>
@@ -3737,7 +3786,7 @@
           <a:p>
             <a:pPr lvl="0"/>
             <a:r>
-              <a:rPr lang="zh-TW" altLang="en-US" smtClean="0"/>
+              <a:rPr lang="zh-TW" altLang="en-US"/>
               <a:t>編輯母片文字樣式</a:t>
             </a:r>
           </a:p>
@@ -3767,35 +3816,35 @@
           <a:p>
             <a:pPr lvl="0"/>
             <a:r>
-              <a:rPr lang="zh-TW" altLang="en-US" smtClean="0"/>
+              <a:rPr lang="zh-TW" altLang="en-US"/>
               <a:t>編輯母片文字樣式</a:t>
             </a:r>
           </a:p>
           <a:p>
             <a:pPr lvl="1"/>
             <a:r>
-              <a:rPr lang="zh-TW" altLang="en-US" smtClean="0"/>
+              <a:rPr lang="zh-TW" altLang="en-US"/>
               <a:t>第二層</a:t>
             </a:r>
           </a:p>
           <a:p>
             <a:pPr lvl="2"/>
             <a:r>
-              <a:rPr lang="zh-TW" altLang="en-US" smtClean="0"/>
+              <a:rPr lang="zh-TW" altLang="en-US"/>
               <a:t>第三層</a:t>
             </a:r>
           </a:p>
           <a:p>
             <a:pPr lvl="3"/>
             <a:r>
-              <a:rPr lang="zh-TW" altLang="en-US" smtClean="0"/>
+              <a:rPr lang="zh-TW" altLang="en-US"/>
               <a:t>第四層</a:t>
             </a:r>
           </a:p>
           <a:p>
             <a:pPr lvl="4"/>
             <a:r>
-              <a:rPr lang="zh-TW" altLang="en-US" smtClean="0"/>
+              <a:rPr lang="zh-TW" altLang="en-US"/>
               <a:t>第五層</a:t>
             </a:r>
             <a:endParaRPr lang="en-US" dirty="0"/>
@@ -3863,7 +3912,7 @@
           <a:p>
             <a:pPr lvl="0"/>
             <a:r>
-              <a:rPr lang="zh-TW" altLang="en-US" smtClean="0"/>
+              <a:rPr lang="zh-TW" altLang="en-US"/>
               <a:t>編輯母片文字樣式</a:t>
             </a:r>
           </a:p>
@@ -3893,35 +3942,35 @@
           <a:p>
             <a:pPr lvl="0"/>
             <a:r>
-              <a:rPr lang="zh-TW" altLang="en-US" smtClean="0"/>
+              <a:rPr lang="zh-TW" altLang="en-US"/>
               <a:t>編輯母片文字樣式</a:t>
             </a:r>
           </a:p>
           <a:p>
             <a:pPr lvl="1"/>
             <a:r>
-              <a:rPr lang="zh-TW" altLang="en-US" smtClean="0"/>
+              <a:rPr lang="zh-TW" altLang="en-US"/>
               <a:t>第二層</a:t>
             </a:r>
           </a:p>
           <a:p>
             <a:pPr lvl="2"/>
             <a:r>
-              <a:rPr lang="zh-TW" altLang="en-US" smtClean="0"/>
+              <a:rPr lang="zh-TW" altLang="en-US"/>
               <a:t>第三層</a:t>
             </a:r>
           </a:p>
           <a:p>
             <a:pPr lvl="3"/>
             <a:r>
-              <a:rPr lang="zh-TW" altLang="en-US" smtClean="0"/>
+              <a:rPr lang="zh-TW" altLang="en-US"/>
               <a:t>第四層</a:t>
             </a:r>
           </a:p>
           <a:p>
             <a:pPr lvl="4"/>
             <a:r>
-              <a:rPr lang="zh-TW" altLang="en-US" smtClean="0"/>
+              <a:rPr lang="zh-TW" altLang="en-US"/>
               <a:t>第五層</a:t>
             </a:r>
             <a:endParaRPr lang="en-US" dirty="0"/>
@@ -3946,7 +3995,7 @@
             <a:fld id="{B61BEF0D-F0BB-DE4B-95CE-6DB70DBA9567}" type="datetimeFigureOut">
               <a:rPr lang="en-US" dirty="0"/>
               <a:pPr/>
-              <a:t>5/13/2022</a:t>
+              <a:t>5/15/2022</a:t>
             </a:fld>
             <a:endParaRPr lang="en-US" dirty="0"/>
           </a:p>
@@ -4123,7 +4172,7 @@
           <a:lstStyle/>
           <a:p>
             <a:r>
-              <a:rPr lang="zh-TW" altLang="en-US" smtClean="0"/>
+              <a:rPr lang="zh-TW" altLang="en-US"/>
               <a:t>按一下以編輯母片標題樣式</a:t>
             </a:r>
             <a:endParaRPr lang="en-US" dirty="0"/>
@@ -4148,7 +4197,7 @@
             <a:fld id="{B61BEF0D-F0BB-DE4B-95CE-6DB70DBA9567}" type="datetimeFigureOut">
               <a:rPr lang="en-US" dirty="0"/>
               <a:pPr/>
-              <a:t>5/13/2022</a:t>
+              <a:t>5/15/2022</a:t>
             </a:fld>
             <a:endParaRPr lang="en-US" dirty="0"/>
           </a:p>
@@ -4322,7 +4371,7 @@
             <a:fld id="{B61BEF0D-F0BB-DE4B-95CE-6DB70DBA9567}" type="datetimeFigureOut">
               <a:rPr lang="en-US" dirty="0"/>
               <a:pPr/>
-              <a:t>5/13/2022</a:t>
+              <a:t>5/15/2022</a:t>
             </a:fld>
             <a:endParaRPr lang="en-US" dirty="0"/>
           </a:p>
@@ -4503,7 +4552,7 @@
           </a:lstStyle>
           <a:p>
             <a:r>
-              <a:rPr lang="zh-TW" altLang="en-US" smtClean="0"/>
+              <a:rPr lang="zh-TW" altLang="en-US"/>
               <a:t>按一下以編輯母片標題樣式</a:t>
             </a:r>
             <a:endParaRPr lang="en-US" dirty="0"/>
@@ -4534,35 +4583,35 @@
           <a:p>
             <a:pPr lvl="0"/>
             <a:r>
-              <a:rPr lang="zh-TW" altLang="en-US" smtClean="0"/>
+              <a:rPr lang="zh-TW" altLang="en-US"/>
               <a:t>編輯母片文字樣式</a:t>
             </a:r>
           </a:p>
           <a:p>
             <a:pPr lvl="1"/>
             <a:r>
-              <a:rPr lang="zh-TW" altLang="en-US" smtClean="0"/>
+              <a:rPr lang="zh-TW" altLang="en-US"/>
               <a:t>第二層</a:t>
             </a:r>
           </a:p>
           <a:p>
             <a:pPr lvl="2"/>
             <a:r>
-              <a:rPr lang="zh-TW" altLang="en-US" smtClean="0"/>
+              <a:rPr lang="zh-TW" altLang="en-US"/>
               <a:t>第三層</a:t>
             </a:r>
           </a:p>
           <a:p>
             <a:pPr lvl="3"/>
             <a:r>
-              <a:rPr lang="zh-TW" altLang="en-US" smtClean="0"/>
+              <a:rPr lang="zh-TW" altLang="en-US"/>
               <a:t>第四層</a:t>
             </a:r>
           </a:p>
           <a:p>
             <a:pPr lvl="4"/>
             <a:r>
-              <a:rPr lang="zh-TW" altLang="en-US" smtClean="0"/>
+              <a:rPr lang="zh-TW" altLang="en-US"/>
               <a:t>第五層</a:t>
             </a:r>
             <a:endParaRPr lang="en-US" dirty="0"/>
@@ -4628,7 +4677,7 @@
           <a:p>
             <a:pPr lvl="0"/>
             <a:r>
-              <a:rPr lang="zh-TW" altLang="en-US" smtClean="0"/>
+              <a:rPr lang="zh-TW" altLang="en-US"/>
               <a:t>編輯母片文字樣式</a:t>
             </a:r>
           </a:p>
@@ -4652,7 +4701,7 @@
             <a:fld id="{B61BEF0D-F0BB-DE4B-95CE-6DB70DBA9567}" type="datetimeFigureOut">
               <a:rPr lang="en-US" dirty="0"/>
               <a:pPr/>
-              <a:t>5/13/2022</a:t>
+              <a:t>5/15/2022</a:t>
             </a:fld>
             <a:endParaRPr lang="en-US" dirty="0"/>
           </a:p>
@@ -4835,7 +4884,7 @@
           </a:lstStyle>
           <a:p>
             <a:r>
-              <a:rPr lang="zh-TW" altLang="en-US" smtClean="0"/>
+              <a:rPr lang="zh-TW" altLang="en-US"/>
               <a:t>按一下以編輯母片標題樣式</a:t>
             </a:r>
             <a:endParaRPr lang="en-US" dirty="0"/>
@@ -4902,7 +4951,7 @@
           </a:lstStyle>
           <a:p>
             <a:r>
-              <a:rPr lang="zh-TW" altLang="en-US" smtClean="0"/>
+              <a:rPr lang="zh-TW" altLang="en-US"/>
               <a:t>按一下圖示以新增圖片</a:t>
             </a:r>
             <a:endParaRPr lang="en-US" dirty="0"/>
@@ -4970,7 +5019,7 @@
           <a:p>
             <a:pPr lvl="0"/>
             <a:r>
-              <a:rPr lang="zh-TW" altLang="en-US" smtClean="0"/>
+              <a:rPr lang="zh-TW" altLang="en-US"/>
               <a:t>編輯母片文字樣式</a:t>
             </a:r>
           </a:p>
@@ -4994,7 +5043,7 @@
             <a:fld id="{B61BEF0D-F0BB-DE4B-95CE-6DB70DBA9567}" type="datetimeFigureOut">
               <a:rPr lang="en-US" dirty="0"/>
               <a:pPr/>
-              <a:t>5/13/2022</a:t>
+              <a:t>5/15/2022</a:t>
             </a:fld>
             <a:endParaRPr lang="en-US" dirty="0"/>
           </a:p>
@@ -7003,7 +7052,7 @@
           <a:lstStyle/>
           <a:p>
             <a:r>
-              <a:rPr lang="zh-TW" altLang="en-US" smtClean="0"/>
+              <a:rPr lang="zh-TW" altLang="en-US"/>
               <a:t>按一下以編輯母片標題樣式</a:t>
             </a:r>
             <a:endParaRPr lang="en-US" dirty="0"/>
@@ -7037,35 +7086,35 @@
           <a:p>
             <a:pPr lvl="0"/>
             <a:r>
-              <a:rPr lang="zh-TW" altLang="en-US" smtClean="0"/>
+              <a:rPr lang="zh-TW" altLang="en-US"/>
               <a:t>編輯母片文字樣式</a:t>
             </a:r>
           </a:p>
           <a:p>
             <a:pPr lvl="1"/>
             <a:r>
-              <a:rPr lang="zh-TW" altLang="en-US" smtClean="0"/>
+              <a:rPr lang="zh-TW" altLang="en-US"/>
               <a:t>第二層</a:t>
             </a:r>
           </a:p>
           <a:p>
             <a:pPr lvl="2"/>
             <a:r>
-              <a:rPr lang="zh-TW" altLang="en-US" smtClean="0"/>
+              <a:rPr lang="zh-TW" altLang="en-US"/>
               <a:t>第三層</a:t>
             </a:r>
           </a:p>
           <a:p>
             <a:pPr lvl="3"/>
             <a:r>
-              <a:rPr lang="zh-TW" altLang="en-US" smtClean="0"/>
+              <a:rPr lang="zh-TW" altLang="en-US"/>
               <a:t>第四層</a:t>
             </a:r>
           </a:p>
           <a:p>
             <a:pPr lvl="4"/>
             <a:r>
-              <a:rPr lang="zh-TW" altLang="en-US" smtClean="0"/>
+              <a:rPr lang="zh-TW" altLang="en-US"/>
               <a:t>第五層</a:t>
             </a:r>
             <a:endParaRPr lang="en-US" dirty="0"/>
@@ -7108,7 +7157,7 @@
             <a:fld id="{B61BEF0D-F0BB-DE4B-95CE-6DB70DBA9567}" type="datetimeFigureOut">
               <a:rPr lang="en-US" dirty="0"/>
               <a:pPr/>
-              <a:t>5/13/2022</a:t>
+              <a:t>5/15/2022</a:t>
             </a:fld>
             <a:endParaRPr lang="en-US" dirty="0"/>
           </a:p>
@@ -7654,7 +7703,7 @@
         </p:nvSpPr>
         <p:spPr>
           <a:xfrm>
-            <a:off x="2494252" y="932208"/>
+            <a:off x="2391685" y="907914"/>
             <a:ext cx="2683748" cy="369332"/>
           </a:xfrm>
           <a:prstGeom prst="rect">
@@ -7802,7 +7851,7 @@
         </p:blipFill>
         <p:spPr>
           <a:xfrm>
-            <a:off x="2194560" y="1640467"/>
+            <a:off x="2194560" y="1682031"/>
             <a:ext cx="6114623" cy="4761830"/>
           </a:xfrm>
           <a:prstGeom prst="rect">

--- a/簡報2.pptx
+++ b/簡報2.pptx
@@ -5,9 +5,7 @@
     <p:sldMasterId id="2147483648" r:id="rId1"/>
   </p:sldMasterIdLst>
   <p:sldIdLst>
-    <p:sldId id="256" r:id="rId2"/>
-    <p:sldId id="257" r:id="rId3"/>
-    <p:sldId id="258" r:id="rId4"/>
+    <p:sldId id="259" r:id="rId2"/>
   </p:sldIdLst>
   <p:sldSz cx="12192000" cy="6858000"/>
   <p:notesSz cx="6858000" cy="9144000"/>
@@ -114,50 +112,6 @@
 </p:presentation>
 </file>
 
-<file path=ppt/changesInfos/changesInfo1.xml><?xml version="1.0" encoding="utf-8"?>
-<pc:chgInfo xmlns:a="http://schemas.openxmlformats.org/drawingml/2006/main" xmlns:r="http://schemas.openxmlformats.org/officeDocument/2006/relationships" xmlns:ac="http://schemas.microsoft.com/office/drawing/2013/main/command" xmlns:pc="http://schemas.microsoft.com/office/powerpoint/2013/main/command">
-  <pc:docChgLst>
-    <pc:chgData name="致汎 郭" userId="704077e5706ada2f" providerId="LiveId" clId="{0F3813BE-5F20-4DEF-B426-F4BA1E3BFBFF}"/>
-    <pc:docChg chg="modSld">
-      <pc:chgData name="致汎 郭" userId="704077e5706ada2f" providerId="LiveId" clId="{0F3813BE-5F20-4DEF-B426-F4BA1E3BFBFF}" dt="2022-05-15T09:56:56.972" v="3" actId="1076"/>
-      <pc:docMkLst>
-        <pc:docMk/>
-      </pc:docMkLst>
-      <pc:sldChg chg="modSp mod">
-        <pc:chgData name="致汎 郭" userId="704077e5706ada2f" providerId="LiveId" clId="{0F3813BE-5F20-4DEF-B426-F4BA1E3BFBFF}" dt="2022-05-15T09:56:56.972" v="3" actId="1076"/>
-        <pc:sldMkLst>
-          <pc:docMk/>
-          <pc:sldMk cId="2521929305" sldId="256"/>
-        </pc:sldMkLst>
-        <pc:spChg chg="mod">
-          <ac:chgData name="致汎 郭" userId="704077e5706ada2f" providerId="LiveId" clId="{0F3813BE-5F20-4DEF-B426-F4BA1E3BFBFF}" dt="2022-05-15T09:56:56.972" v="3" actId="1076"/>
-          <ac:spMkLst>
-            <pc:docMk/>
-            <pc:sldMk cId="2521929305" sldId="256"/>
-            <ac:spMk id="5" creationId="{00000000-0000-0000-0000-000000000000}"/>
-          </ac:spMkLst>
-        </pc:spChg>
-      </pc:sldChg>
-      <pc:sldChg chg="modSp mod">
-        <pc:chgData name="致汎 郭" userId="704077e5706ada2f" providerId="LiveId" clId="{0F3813BE-5F20-4DEF-B426-F4BA1E3BFBFF}" dt="2022-05-15T09:55:14.058" v="2" actId="1076"/>
-        <pc:sldMkLst>
-          <pc:docMk/>
-          <pc:sldMk cId="3636498031" sldId="258"/>
-        </pc:sldMkLst>
-        <pc:picChg chg="mod">
-          <ac:chgData name="致汎 郭" userId="704077e5706ada2f" providerId="LiveId" clId="{0F3813BE-5F20-4DEF-B426-F4BA1E3BFBFF}" dt="2022-05-15T09:55:14.058" v="2" actId="1076"/>
-          <ac:picMkLst>
-            <pc:docMk/>
-            <pc:sldMk cId="3636498031" sldId="258"/>
-            <ac:picMk id="4" creationId="{00000000-0000-0000-0000-000000000000}"/>
-          </ac:picMkLst>
-        </pc:picChg>
-      </pc:sldChg>
-    </pc:docChg>
-  </pc:docChgLst>
-</pc:chgInfo>
-</file>
-
 <file path=ppt/slideLayouts/slideLayout1.xml><?xml version="1.0" encoding="utf-8"?>
 <p:sldLayout xmlns:a="http://schemas.openxmlformats.org/drawingml/2006/main" xmlns:r="http://schemas.openxmlformats.org/officeDocument/2006/relationships" xmlns:p="http://schemas.openxmlformats.org/presentationml/2006/main" type="title" preserve="1">
   <p:cSld name="標題投影片">
@@ -202,7 +156,7 @@
           </a:lstStyle>
           <a:p>
             <a:r>
-              <a:rPr lang="zh-TW" altLang="en-US"/>
+              <a:rPr lang="zh-TW" altLang="en-US" smtClean="0"/>
               <a:t>按一下以編輯母片標題樣式</a:t>
             </a:r>
             <a:endParaRPr lang="en-US" dirty="0"/>
@@ -322,7 +276,7 @@
           </a:lstStyle>
           <a:p>
             <a:r>
-              <a:rPr lang="zh-TW" altLang="en-US"/>
+              <a:rPr lang="zh-TW" altLang="en-US" smtClean="0"/>
               <a:t>按一下以編輯母片副標題樣式</a:t>
             </a:r>
             <a:endParaRPr lang="en-US" dirty="0"/>
@@ -347,7 +301,7 @@
             <a:fld id="{B61BEF0D-F0BB-DE4B-95CE-6DB70DBA9567}" type="datetimeFigureOut">
               <a:rPr lang="en-US" dirty="0"/>
               <a:pPr/>
-              <a:t>5/15/2022</a:t>
+              <a:t>5/23/2022</a:t>
             </a:fld>
             <a:endParaRPr lang="en-US" dirty="0"/>
           </a:p>
@@ -535,7 +489,7 @@
           </a:lstStyle>
           <a:p>
             <a:r>
-              <a:rPr lang="zh-TW" altLang="en-US"/>
+              <a:rPr lang="zh-TW" altLang="en-US" smtClean="0"/>
               <a:t>按一下以編輯母片標題樣式</a:t>
             </a:r>
             <a:endParaRPr lang="en-US" dirty="0"/>
@@ -658,7 +612,7 @@
           <a:p>
             <a:pPr lvl="0"/>
             <a:r>
-              <a:rPr lang="zh-TW" altLang="en-US"/>
+              <a:rPr lang="zh-TW" altLang="en-US" smtClean="0"/>
               <a:t>編輯母片文字樣式</a:t>
             </a:r>
           </a:p>
@@ -682,7 +636,7 @@
             <a:fld id="{B61BEF0D-F0BB-DE4B-95CE-6DB70DBA9567}" type="datetimeFigureOut">
               <a:rPr lang="en-US" dirty="0"/>
               <a:pPr/>
-              <a:t>5/15/2022</a:t>
+              <a:t>5/23/2022</a:t>
             </a:fld>
             <a:endParaRPr lang="en-US" dirty="0"/>
           </a:p>
@@ -870,7 +824,7 @@
           </a:lstStyle>
           <a:p>
             <a:r>
-              <a:rPr lang="zh-TW" altLang="en-US"/>
+              <a:rPr lang="zh-TW" altLang="en-US" smtClean="0"/>
               <a:t>按一下以編輯母片標題樣式</a:t>
             </a:r>
             <a:endParaRPr lang="en-US" dirty="0"/>
@@ -934,7 +888,7 @@
           <a:p>
             <a:pPr lvl="0"/>
             <a:r>
-              <a:rPr lang="zh-TW" altLang="en-US"/>
+              <a:rPr lang="zh-TW" altLang="en-US" smtClean="0"/>
               <a:t>編輯母片文字樣式</a:t>
             </a:r>
           </a:p>
@@ -1056,7 +1010,7 @@
           <a:p>
             <a:pPr lvl="0"/>
             <a:r>
-              <a:rPr lang="zh-TW" altLang="en-US"/>
+              <a:rPr lang="zh-TW" altLang="en-US" smtClean="0"/>
               <a:t>編輯母片文字樣式</a:t>
             </a:r>
           </a:p>
@@ -1080,7 +1034,7 @@
             <a:fld id="{B61BEF0D-F0BB-DE4B-95CE-6DB70DBA9567}" type="datetimeFigureOut">
               <a:rPr lang="en-US" dirty="0"/>
               <a:pPr/>
-              <a:t>5/15/2022</a:t>
+              <a:t>5/23/2022</a:t>
             </a:fld>
             <a:endParaRPr lang="en-US" dirty="0"/>
           </a:p>
@@ -1344,7 +1298,7 @@
           </a:lstStyle>
           <a:p>
             <a:r>
-              <a:rPr lang="zh-TW" altLang="en-US"/>
+              <a:rPr lang="zh-TW" altLang="en-US" smtClean="0"/>
               <a:t>按一下以編輯母片標題樣式</a:t>
             </a:r>
             <a:endParaRPr lang="en-US" dirty="0"/>
@@ -1389,7 +1343,7 @@
               <a:buNone/>
             </a:pPr>
             <a:r>
-              <a:rPr lang="zh-TW" altLang="en-US"/>
+              <a:rPr lang="zh-TW" altLang="en-US" smtClean="0"/>
               <a:t>編輯母片文字樣式</a:t>
             </a:r>
           </a:p>
@@ -1413,7 +1367,7 @@
             <a:fld id="{B61BEF0D-F0BB-DE4B-95CE-6DB70DBA9567}" type="datetimeFigureOut">
               <a:rPr lang="en-US" dirty="0"/>
               <a:pPr/>
-              <a:t>5/15/2022</a:t>
+              <a:t>5/23/2022</a:t>
             </a:fld>
             <a:endParaRPr lang="en-US" dirty="0"/>
           </a:p>
@@ -1601,7 +1555,7 @@
           </a:lstStyle>
           <a:p>
             <a:r>
-              <a:rPr lang="zh-TW" altLang="en-US"/>
+              <a:rPr lang="zh-TW" altLang="en-US" smtClean="0"/>
               <a:t>按一下以編輯母片標題樣式</a:t>
             </a:r>
             <a:endParaRPr lang="en-US" dirty="0"/>
@@ -1662,7 +1616,7 @@
           <a:p>
             <a:pPr lvl="0"/>
             <a:r>
-              <a:rPr lang="zh-TW" altLang="en-US"/>
+              <a:rPr lang="zh-TW" altLang="en-US" smtClean="0"/>
               <a:t>編輯母片文字樣式</a:t>
             </a:r>
           </a:p>
@@ -1706,7 +1660,7 @@
               <a:buNone/>
             </a:pPr>
             <a:r>
-              <a:rPr lang="zh-TW" altLang="en-US"/>
+              <a:rPr lang="zh-TW" altLang="en-US" smtClean="0"/>
               <a:t>編輯母片文字樣式</a:t>
             </a:r>
           </a:p>
@@ -1730,7 +1684,7 @@
             <a:fld id="{B61BEF0D-F0BB-DE4B-95CE-6DB70DBA9567}" type="datetimeFigureOut">
               <a:rPr lang="en-US" dirty="0"/>
               <a:pPr/>
-              <a:t>5/15/2022</a:t>
+              <a:t>5/23/2022</a:t>
             </a:fld>
             <a:endParaRPr lang="en-US" dirty="0"/>
           </a:p>
@@ -1994,7 +1948,7 @@
           </a:lstStyle>
           <a:p>
             <a:r>
-              <a:rPr lang="zh-TW" altLang="en-US"/>
+              <a:rPr lang="zh-TW" altLang="en-US" smtClean="0"/>
               <a:t>按一下以編輯母片標題樣式</a:t>
             </a:r>
             <a:endParaRPr lang="en-US" dirty="0"/>
@@ -2055,7 +2009,7 @@
           <a:p>
             <a:pPr lvl="0"/>
             <a:r>
-              <a:rPr lang="zh-TW" altLang="en-US"/>
+              <a:rPr lang="zh-TW" altLang="en-US" smtClean="0"/>
               <a:t>編輯母片文字樣式</a:t>
             </a:r>
           </a:p>
@@ -2099,7 +2053,7 @@
               <a:buNone/>
             </a:pPr>
             <a:r>
-              <a:rPr lang="zh-TW" altLang="en-US"/>
+              <a:rPr lang="zh-TW" altLang="en-US" smtClean="0"/>
               <a:t>編輯母片文字樣式</a:t>
             </a:r>
           </a:p>
@@ -2123,7 +2077,7 @@
             <a:fld id="{B61BEF0D-F0BB-DE4B-95CE-6DB70DBA9567}" type="datetimeFigureOut">
               <a:rPr lang="en-US" dirty="0"/>
               <a:pPr/>
-              <a:t>5/15/2022</a:t>
+              <a:t>5/23/2022</a:t>
             </a:fld>
             <a:endParaRPr lang="en-US" dirty="0"/>
           </a:p>
@@ -2300,7 +2254,7 @@
           <a:lstStyle/>
           <a:p>
             <a:r>
-              <a:rPr lang="zh-TW" altLang="en-US"/>
+              <a:rPr lang="zh-TW" altLang="en-US" smtClean="0"/>
               <a:t>按一下以編輯母片標題樣式</a:t>
             </a:r>
             <a:endParaRPr lang="en-US" dirty="0"/>
@@ -2324,35 +2278,35 @@
           <a:p>
             <a:pPr lvl="0"/>
             <a:r>
-              <a:rPr lang="zh-TW" altLang="en-US"/>
+              <a:rPr lang="zh-TW" altLang="en-US" smtClean="0"/>
               <a:t>編輯母片文字樣式</a:t>
             </a:r>
           </a:p>
           <a:p>
             <a:pPr lvl="1"/>
             <a:r>
-              <a:rPr lang="zh-TW" altLang="en-US"/>
+              <a:rPr lang="zh-TW" altLang="en-US" smtClean="0"/>
               <a:t>第二層</a:t>
             </a:r>
           </a:p>
           <a:p>
             <a:pPr lvl="2"/>
             <a:r>
-              <a:rPr lang="zh-TW" altLang="en-US"/>
+              <a:rPr lang="zh-TW" altLang="en-US" smtClean="0"/>
               <a:t>第三層</a:t>
             </a:r>
           </a:p>
           <a:p>
             <a:pPr lvl="3"/>
             <a:r>
-              <a:rPr lang="zh-TW" altLang="en-US"/>
+              <a:rPr lang="zh-TW" altLang="en-US" smtClean="0"/>
               <a:t>第四層</a:t>
             </a:r>
           </a:p>
           <a:p>
             <a:pPr lvl="4"/>
             <a:r>
-              <a:rPr lang="zh-TW" altLang="en-US"/>
+              <a:rPr lang="zh-TW" altLang="en-US" smtClean="0"/>
               <a:t>第五層</a:t>
             </a:r>
             <a:endParaRPr lang="en-US" dirty="0"/>
@@ -2377,7 +2331,7 @@
             <a:fld id="{B61BEF0D-F0BB-DE4B-95CE-6DB70DBA9567}" type="datetimeFigureOut">
               <a:rPr lang="en-US" dirty="0"/>
               <a:pPr/>
-              <a:t>5/15/2022</a:t>
+              <a:t>5/23/2022</a:t>
             </a:fld>
             <a:endParaRPr lang="en-US" dirty="0"/>
           </a:p>
@@ -2554,7 +2508,7 @@
           <a:lstStyle/>
           <a:p>
             <a:r>
-              <a:rPr lang="zh-TW" altLang="en-US"/>
+              <a:rPr lang="zh-TW" altLang="en-US" smtClean="0"/>
               <a:t>按一下以編輯母片標題樣式</a:t>
             </a:r>
             <a:endParaRPr lang="en-US" dirty="0"/>
@@ -2583,35 +2537,35 @@
           <a:p>
             <a:pPr lvl="0"/>
             <a:r>
-              <a:rPr lang="zh-TW" altLang="en-US"/>
+              <a:rPr lang="zh-TW" altLang="en-US" smtClean="0"/>
               <a:t>編輯母片文字樣式</a:t>
             </a:r>
           </a:p>
           <a:p>
             <a:pPr lvl="1"/>
             <a:r>
-              <a:rPr lang="zh-TW" altLang="en-US"/>
+              <a:rPr lang="zh-TW" altLang="en-US" smtClean="0"/>
               <a:t>第二層</a:t>
             </a:r>
           </a:p>
           <a:p>
             <a:pPr lvl="2"/>
             <a:r>
-              <a:rPr lang="zh-TW" altLang="en-US"/>
+              <a:rPr lang="zh-TW" altLang="en-US" smtClean="0"/>
               <a:t>第三層</a:t>
             </a:r>
           </a:p>
           <a:p>
             <a:pPr lvl="3"/>
             <a:r>
-              <a:rPr lang="zh-TW" altLang="en-US"/>
+              <a:rPr lang="zh-TW" altLang="en-US" smtClean="0"/>
               <a:t>第四層</a:t>
             </a:r>
           </a:p>
           <a:p>
             <a:pPr lvl="4"/>
             <a:r>
-              <a:rPr lang="zh-TW" altLang="en-US"/>
+              <a:rPr lang="zh-TW" altLang="en-US" smtClean="0"/>
               <a:t>第五層</a:t>
             </a:r>
             <a:endParaRPr lang="en-US" dirty="0"/>
@@ -2636,7 +2590,7 @@
             <a:fld id="{B61BEF0D-F0BB-DE4B-95CE-6DB70DBA9567}" type="datetimeFigureOut">
               <a:rPr lang="en-US" dirty="0"/>
               <a:pPr/>
-              <a:t>5/15/2022</a:t>
+              <a:t>5/23/2022</a:t>
             </a:fld>
             <a:endParaRPr lang="en-US" dirty="0"/>
           </a:p>
@@ -2813,7 +2767,7 @@
           <a:lstStyle/>
           <a:p>
             <a:r>
-              <a:rPr lang="zh-TW" altLang="en-US"/>
+              <a:rPr lang="zh-TW" altLang="en-US" smtClean="0"/>
               <a:t>按一下以編輯母片標題樣式</a:t>
             </a:r>
             <a:endParaRPr lang="en-US" dirty="0"/>
@@ -2842,35 +2796,35 @@
           <a:p>
             <a:pPr lvl="0"/>
             <a:r>
-              <a:rPr lang="zh-TW" altLang="en-US"/>
+              <a:rPr lang="zh-TW" altLang="en-US" smtClean="0"/>
               <a:t>編輯母片文字樣式</a:t>
             </a:r>
           </a:p>
           <a:p>
             <a:pPr lvl="1"/>
             <a:r>
-              <a:rPr lang="zh-TW" altLang="en-US"/>
+              <a:rPr lang="zh-TW" altLang="en-US" smtClean="0"/>
               <a:t>第二層</a:t>
             </a:r>
           </a:p>
           <a:p>
             <a:pPr lvl="2"/>
             <a:r>
-              <a:rPr lang="zh-TW" altLang="en-US"/>
+              <a:rPr lang="zh-TW" altLang="en-US" smtClean="0"/>
               <a:t>第三層</a:t>
             </a:r>
           </a:p>
           <a:p>
             <a:pPr lvl="3"/>
             <a:r>
-              <a:rPr lang="zh-TW" altLang="en-US"/>
+              <a:rPr lang="zh-TW" altLang="en-US" smtClean="0"/>
               <a:t>第四層</a:t>
             </a:r>
           </a:p>
           <a:p>
             <a:pPr lvl="4"/>
             <a:r>
-              <a:rPr lang="zh-TW" altLang="en-US"/>
+              <a:rPr lang="zh-TW" altLang="en-US" smtClean="0"/>
               <a:t>第五層</a:t>
             </a:r>
             <a:endParaRPr lang="en-US" dirty="0"/>
@@ -2895,7 +2849,7 @@
             <a:fld id="{B61BEF0D-F0BB-DE4B-95CE-6DB70DBA9567}" type="datetimeFigureOut">
               <a:rPr lang="en-US" dirty="0"/>
               <a:pPr/>
-              <a:t>5/15/2022</a:t>
+              <a:t>5/23/2022</a:t>
             </a:fld>
             <a:endParaRPr lang="en-US" dirty="0"/>
           </a:p>
@@ -3076,7 +3030,7 @@
           </a:lstStyle>
           <a:p>
             <a:r>
-              <a:rPr lang="zh-TW" altLang="en-US"/>
+              <a:rPr lang="zh-TW" altLang="en-US" smtClean="0"/>
               <a:t>按一下以編輯母片標題樣式</a:t>
             </a:r>
             <a:endParaRPr lang="en-US" dirty="0"/>
@@ -3197,7 +3151,7 @@
           <a:p>
             <a:pPr lvl="0"/>
             <a:r>
-              <a:rPr lang="zh-TW" altLang="en-US"/>
+              <a:rPr lang="zh-TW" altLang="en-US" smtClean="0"/>
               <a:t>編輯母片文字樣式</a:t>
             </a:r>
           </a:p>
@@ -3221,7 +3175,7 @@
             <a:fld id="{B61BEF0D-F0BB-DE4B-95CE-6DB70DBA9567}" type="datetimeFigureOut">
               <a:rPr lang="en-US" dirty="0"/>
               <a:pPr/>
-              <a:t>5/15/2022</a:t>
+              <a:t>5/23/2022</a:t>
             </a:fld>
             <a:endParaRPr lang="en-US" dirty="0"/>
           </a:p>
@@ -3398,7 +3352,7 @@
           <a:lstStyle/>
           <a:p>
             <a:r>
-              <a:rPr lang="zh-TW" altLang="en-US"/>
+              <a:rPr lang="zh-TW" altLang="en-US" smtClean="0"/>
               <a:t>按一下以編輯母片標題樣式</a:t>
             </a:r>
             <a:endParaRPr lang="en-US" dirty="0"/>
@@ -3429,35 +3383,35 @@
           <a:p>
             <a:pPr lvl="0"/>
             <a:r>
-              <a:rPr lang="zh-TW" altLang="en-US"/>
+              <a:rPr lang="zh-TW" altLang="en-US" smtClean="0"/>
               <a:t>編輯母片文字樣式</a:t>
             </a:r>
           </a:p>
           <a:p>
             <a:pPr lvl="1"/>
             <a:r>
-              <a:rPr lang="zh-TW" altLang="en-US"/>
+              <a:rPr lang="zh-TW" altLang="en-US" smtClean="0"/>
               <a:t>第二層</a:t>
             </a:r>
           </a:p>
           <a:p>
             <a:pPr lvl="2"/>
             <a:r>
-              <a:rPr lang="zh-TW" altLang="en-US"/>
+              <a:rPr lang="zh-TW" altLang="en-US" smtClean="0"/>
               <a:t>第三層</a:t>
             </a:r>
           </a:p>
           <a:p>
             <a:pPr lvl="3"/>
             <a:r>
-              <a:rPr lang="zh-TW" altLang="en-US"/>
+              <a:rPr lang="zh-TW" altLang="en-US" smtClean="0"/>
               <a:t>第四層</a:t>
             </a:r>
           </a:p>
           <a:p>
             <a:pPr lvl="4"/>
             <a:r>
-              <a:rPr lang="zh-TW" altLang="en-US"/>
+              <a:rPr lang="zh-TW" altLang="en-US" smtClean="0"/>
               <a:t>第五層</a:t>
             </a:r>
             <a:endParaRPr lang="en-US" dirty="0"/>
@@ -3488,35 +3442,35 @@
           <a:p>
             <a:pPr lvl="0"/>
             <a:r>
-              <a:rPr lang="zh-TW" altLang="en-US"/>
+              <a:rPr lang="zh-TW" altLang="en-US" smtClean="0"/>
               <a:t>編輯母片文字樣式</a:t>
             </a:r>
           </a:p>
           <a:p>
             <a:pPr lvl="1"/>
             <a:r>
-              <a:rPr lang="zh-TW" altLang="en-US"/>
+              <a:rPr lang="zh-TW" altLang="en-US" smtClean="0"/>
               <a:t>第二層</a:t>
             </a:r>
           </a:p>
           <a:p>
             <a:pPr lvl="2"/>
             <a:r>
-              <a:rPr lang="zh-TW" altLang="en-US"/>
+              <a:rPr lang="zh-TW" altLang="en-US" smtClean="0"/>
               <a:t>第三層</a:t>
             </a:r>
           </a:p>
           <a:p>
             <a:pPr lvl="3"/>
             <a:r>
-              <a:rPr lang="zh-TW" altLang="en-US"/>
+              <a:rPr lang="zh-TW" altLang="en-US" smtClean="0"/>
               <a:t>第四層</a:t>
             </a:r>
           </a:p>
           <a:p>
             <a:pPr lvl="4"/>
             <a:r>
-              <a:rPr lang="zh-TW" altLang="en-US"/>
+              <a:rPr lang="zh-TW" altLang="en-US" smtClean="0"/>
               <a:t>第五層</a:t>
             </a:r>
             <a:endParaRPr lang="en-US" dirty="0"/>
@@ -3541,7 +3495,7 @@
             <a:fld id="{B61BEF0D-F0BB-DE4B-95CE-6DB70DBA9567}" type="datetimeFigureOut">
               <a:rPr lang="en-US" dirty="0"/>
               <a:pPr/>
-              <a:t>5/15/2022</a:t>
+              <a:t>5/23/2022</a:t>
             </a:fld>
             <a:endParaRPr lang="en-US" dirty="0"/>
           </a:p>
@@ -3718,7 +3672,7 @@
           <a:lstStyle/>
           <a:p>
             <a:r>
-              <a:rPr lang="zh-TW" altLang="en-US"/>
+              <a:rPr lang="zh-TW" altLang="en-US" smtClean="0"/>
               <a:t>按一下以編輯母片標題樣式</a:t>
             </a:r>
             <a:endParaRPr lang="en-US" dirty="0"/>
@@ -3786,7 +3740,7 @@
           <a:p>
             <a:pPr lvl="0"/>
             <a:r>
-              <a:rPr lang="zh-TW" altLang="en-US"/>
+              <a:rPr lang="zh-TW" altLang="en-US" smtClean="0"/>
               <a:t>編輯母片文字樣式</a:t>
             </a:r>
           </a:p>
@@ -3816,35 +3770,35 @@
           <a:p>
             <a:pPr lvl="0"/>
             <a:r>
-              <a:rPr lang="zh-TW" altLang="en-US"/>
+              <a:rPr lang="zh-TW" altLang="en-US" smtClean="0"/>
               <a:t>編輯母片文字樣式</a:t>
             </a:r>
           </a:p>
           <a:p>
             <a:pPr lvl="1"/>
             <a:r>
-              <a:rPr lang="zh-TW" altLang="en-US"/>
+              <a:rPr lang="zh-TW" altLang="en-US" smtClean="0"/>
               <a:t>第二層</a:t>
             </a:r>
           </a:p>
           <a:p>
             <a:pPr lvl="2"/>
             <a:r>
-              <a:rPr lang="zh-TW" altLang="en-US"/>
+              <a:rPr lang="zh-TW" altLang="en-US" smtClean="0"/>
               <a:t>第三層</a:t>
             </a:r>
           </a:p>
           <a:p>
             <a:pPr lvl="3"/>
             <a:r>
-              <a:rPr lang="zh-TW" altLang="en-US"/>
+              <a:rPr lang="zh-TW" altLang="en-US" smtClean="0"/>
               <a:t>第四層</a:t>
             </a:r>
           </a:p>
           <a:p>
             <a:pPr lvl="4"/>
             <a:r>
-              <a:rPr lang="zh-TW" altLang="en-US"/>
+              <a:rPr lang="zh-TW" altLang="en-US" smtClean="0"/>
               <a:t>第五層</a:t>
             </a:r>
             <a:endParaRPr lang="en-US" dirty="0"/>
@@ -3912,7 +3866,7 @@
           <a:p>
             <a:pPr lvl="0"/>
             <a:r>
-              <a:rPr lang="zh-TW" altLang="en-US"/>
+              <a:rPr lang="zh-TW" altLang="en-US" smtClean="0"/>
               <a:t>編輯母片文字樣式</a:t>
             </a:r>
           </a:p>
@@ -3942,35 +3896,35 @@
           <a:p>
             <a:pPr lvl="0"/>
             <a:r>
-              <a:rPr lang="zh-TW" altLang="en-US"/>
+              <a:rPr lang="zh-TW" altLang="en-US" smtClean="0"/>
               <a:t>編輯母片文字樣式</a:t>
             </a:r>
           </a:p>
           <a:p>
             <a:pPr lvl="1"/>
             <a:r>
-              <a:rPr lang="zh-TW" altLang="en-US"/>
+              <a:rPr lang="zh-TW" altLang="en-US" smtClean="0"/>
               <a:t>第二層</a:t>
             </a:r>
           </a:p>
           <a:p>
             <a:pPr lvl="2"/>
             <a:r>
-              <a:rPr lang="zh-TW" altLang="en-US"/>
+              <a:rPr lang="zh-TW" altLang="en-US" smtClean="0"/>
               <a:t>第三層</a:t>
             </a:r>
           </a:p>
           <a:p>
             <a:pPr lvl="3"/>
             <a:r>
-              <a:rPr lang="zh-TW" altLang="en-US"/>
+              <a:rPr lang="zh-TW" altLang="en-US" smtClean="0"/>
               <a:t>第四層</a:t>
             </a:r>
           </a:p>
           <a:p>
             <a:pPr lvl="4"/>
             <a:r>
-              <a:rPr lang="zh-TW" altLang="en-US"/>
+              <a:rPr lang="zh-TW" altLang="en-US" smtClean="0"/>
               <a:t>第五層</a:t>
             </a:r>
             <a:endParaRPr lang="en-US" dirty="0"/>
@@ -3995,7 +3949,7 @@
             <a:fld id="{B61BEF0D-F0BB-DE4B-95CE-6DB70DBA9567}" type="datetimeFigureOut">
               <a:rPr lang="en-US" dirty="0"/>
               <a:pPr/>
-              <a:t>5/15/2022</a:t>
+              <a:t>5/23/2022</a:t>
             </a:fld>
             <a:endParaRPr lang="en-US" dirty="0"/>
           </a:p>
@@ -4172,7 +4126,7 @@
           <a:lstStyle/>
           <a:p>
             <a:r>
-              <a:rPr lang="zh-TW" altLang="en-US"/>
+              <a:rPr lang="zh-TW" altLang="en-US" smtClean="0"/>
               <a:t>按一下以編輯母片標題樣式</a:t>
             </a:r>
             <a:endParaRPr lang="en-US" dirty="0"/>
@@ -4197,7 +4151,7 @@
             <a:fld id="{B61BEF0D-F0BB-DE4B-95CE-6DB70DBA9567}" type="datetimeFigureOut">
               <a:rPr lang="en-US" dirty="0"/>
               <a:pPr/>
-              <a:t>5/15/2022</a:t>
+              <a:t>5/23/2022</a:t>
             </a:fld>
             <a:endParaRPr lang="en-US" dirty="0"/>
           </a:p>
@@ -4371,7 +4325,7 @@
             <a:fld id="{B61BEF0D-F0BB-DE4B-95CE-6DB70DBA9567}" type="datetimeFigureOut">
               <a:rPr lang="en-US" dirty="0"/>
               <a:pPr/>
-              <a:t>5/15/2022</a:t>
+              <a:t>5/23/2022</a:t>
             </a:fld>
             <a:endParaRPr lang="en-US" dirty="0"/>
           </a:p>
@@ -4552,7 +4506,7 @@
           </a:lstStyle>
           <a:p>
             <a:r>
-              <a:rPr lang="zh-TW" altLang="en-US"/>
+              <a:rPr lang="zh-TW" altLang="en-US" smtClean="0"/>
               <a:t>按一下以編輯母片標題樣式</a:t>
             </a:r>
             <a:endParaRPr lang="en-US" dirty="0"/>
@@ -4583,35 +4537,35 @@
           <a:p>
             <a:pPr lvl="0"/>
             <a:r>
-              <a:rPr lang="zh-TW" altLang="en-US"/>
+              <a:rPr lang="zh-TW" altLang="en-US" smtClean="0"/>
               <a:t>編輯母片文字樣式</a:t>
             </a:r>
           </a:p>
           <a:p>
             <a:pPr lvl="1"/>
             <a:r>
-              <a:rPr lang="zh-TW" altLang="en-US"/>
+              <a:rPr lang="zh-TW" altLang="en-US" smtClean="0"/>
               <a:t>第二層</a:t>
             </a:r>
           </a:p>
           <a:p>
             <a:pPr lvl="2"/>
             <a:r>
-              <a:rPr lang="zh-TW" altLang="en-US"/>
+              <a:rPr lang="zh-TW" altLang="en-US" smtClean="0"/>
               <a:t>第三層</a:t>
             </a:r>
           </a:p>
           <a:p>
             <a:pPr lvl="3"/>
             <a:r>
-              <a:rPr lang="zh-TW" altLang="en-US"/>
+              <a:rPr lang="zh-TW" altLang="en-US" smtClean="0"/>
               <a:t>第四層</a:t>
             </a:r>
           </a:p>
           <a:p>
             <a:pPr lvl="4"/>
             <a:r>
-              <a:rPr lang="zh-TW" altLang="en-US"/>
+              <a:rPr lang="zh-TW" altLang="en-US" smtClean="0"/>
               <a:t>第五層</a:t>
             </a:r>
             <a:endParaRPr lang="en-US" dirty="0"/>
@@ -4677,7 +4631,7 @@
           <a:p>
             <a:pPr lvl="0"/>
             <a:r>
-              <a:rPr lang="zh-TW" altLang="en-US"/>
+              <a:rPr lang="zh-TW" altLang="en-US" smtClean="0"/>
               <a:t>編輯母片文字樣式</a:t>
             </a:r>
           </a:p>
@@ -4701,7 +4655,7 @@
             <a:fld id="{B61BEF0D-F0BB-DE4B-95CE-6DB70DBA9567}" type="datetimeFigureOut">
               <a:rPr lang="en-US" dirty="0"/>
               <a:pPr/>
-              <a:t>5/15/2022</a:t>
+              <a:t>5/23/2022</a:t>
             </a:fld>
             <a:endParaRPr lang="en-US" dirty="0"/>
           </a:p>
@@ -4884,7 +4838,7 @@
           </a:lstStyle>
           <a:p>
             <a:r>
-              <a:rPr lang="zh-TW" altLang="en-US"/>
+              <a:rPr lang="zh-TW" altLang="en-US" smtClean="0"/>
               <a:t>按一下以編輯母片標題樣式</a:t>
             </a:r>
             <a:endParaRPr lang="en-US" dirty="0"/>
@@ -4951,7 +4905,7 @@
           </a:lstStyle>
           <a:p>
             <a:r>
-              <a:rPr lang="zh-TW" altLang="en-US"/>
+              <a:rPr lang="zh-TW" altLang="en-US" smtClean="0"/>
               <a:t>按一下圖示以新增圖片</a:t>
             </a:r>
             <a:endParaRPr lang="en-US" dirty="0"/>
@@ -5019,7 +4973,7 @@
           <a:p>
             <a:pPr lvl="0"/>
             <a:r>
-              <a:rPr lang="zh-TW" altLang="en-US"/>
+              <a:rPr lang="zh-TW" altLang="en-US" smtClean="0"/>
               <a:t>編輯母片文字樣式</a:t>
             </a:r>
           </a:p>
@@ -5043,7 +4997,7 @@
             <a:fld id="{B61BEF0D-F0BB-DE4B-95CE-6DB70DBA9567}" type="datetimeFigureOut">
               <a:rPr lang="en-US" dirty="0"/>
               <a:pPr/>
-              <a:t>5/15/2022</a:t>
+              <a:t>5/23/2022</a:t>
             </a:fld>
             <a:endParaRPr lang="en-US" dirty="0"/>
           </a:p>
@@ -7052,7 +7006,7 @@
           <a:lstStyle/>
           <a:p>
             <a:r>
-              <a:rPr lang="zh-TW" altLang="en-US"/>
+              <a:rPr lang="zh-TW" altLang="en-US" smtClean="0"/>
               <a:t>按一下以編輯母片標題樣式</a:t>
             </a:r>
             <a:endParaRPr lang="en-US" dirty="0"/>
@@ -7086,35 +7040,35 @@
           <a:p>
             <a:pPr lvl="0"/>
             <a:r>
-              <a:rPr lang="zh-TW" altLang="en-US"/>
+              <a:rPr lang="zh-TW" altLang="en-US" smtClean="0"/>
               <a:t>編輯母片文字樣式</a:t>
             </a:r>
           </a:p>
           <a:p>
             <a:pPr lvl="1"/>
             <a:r>
-              <a:rPr lang="zh-TW" altLang="en-US"/>
+              <a:rPr lang="zh-TW" altLang="en-US" smtClean="0"/>
               <a:t>第二層</a:t>
             </a:r>
           </a:p>
           <a:p>
             <a:pPr lvl="2"/>
             <a:r>
-              <a:rPr lang="zh-TW" altLang="en-US"/>
+              <a:rPr lang="zh-TW" altLang="en-US" smtClean="0"/>
               <a:t>第三層</a:t>
             </a:r>
           </a:p>
           <a:p>
             <a:pPr lvl="3"/>
             <a:r>
-              <a:rPr lang="zh-TW" altLang="en-US"/>
+              <a:rPr lang="zh-TW" altLang="en-US" smtClean="0"/>
               <a:t>第四層</a:t>
             </a:r>
           </a:p>
           <a:p>
             <a:pPr lvl="4"/>
             <a:r>
-              <a:rPr lang="zh-TW" altLang="en-US"/>
+              <a:rPr lang="zh-TW" altLang="en-US" smtClean="0"/>
               <a:t>第五層</a:t>
             </a:r>
             <a:endParaRPr lang="en-US" dirty="0"/>
@@ -7157,7 +7111,7 @@
             <a:fld id="{B61BEF0D-F0BB-DE4B-95CE-6DB70DBA9567}" type="datetimeFigureOut">
               <a:rPr lang="en-US" dirty="0"/>
               <a:pPr/>
-              <a:t>5/15/2022</a:t>
+              <a:t>5/23/2022</a:t>
             </a:fld>
             <a:endParaRPr lang="en-US" dirty="0"/>
           </a:p>
@@ -7671,226 +7625,493 @@
           <a:chExt cx="0" cy="0"/>
         </a:xfrm>
       </p:grpSpPr>
-      <p:pic>
-        <p:nvPicPr>
-          <p:cNvPr id="4" name="圖片 3"/>
-          <p:cNvPicPr>
-            <a:picLocks noChangeAspect="1"/>
-          </p:cNvPicPr>
-          <p:nvPr/>
-        </p:nvPicPr>
-        <p:blipFill>
-          <a:blip r:embed="rId2"/>
-          <a:stretch>
-            <a:fillRect/>
-          </a:stretch>
-        </p:blipFill>
-        <p:spPr>
-          <a:xfrm>
-            <a:off x="2391685" y="1894114"/>
-            <a:ext cx="7754901" cy="3871306"/>
-          </a:xfrm>
-          <a:prstGeom prst="rect">
-            <a:avLst/>
-          </a:prstGeom>
-        </p:spPr>
-      </p:pic>
-      <p:sp>
-        <p:nvSpPr>
-          <p:cNvPr id="5" name="矩形 4"/>
-          <p:cNvSpPr/>
-          <p:nvPr/>
-        </p:nvSpPr>
-        <p:spPr>
-          <a:xfrm>
-            <a:off x="2391685" y="907914"/>
-            <a:ext cx="2683748" cy="369332"/>
-          </a:xfrm>
-          <a:prstGeom prst="rect">
-            <a:avLst/>
-          </a:prstGeom>
-        </p:spPr>
-        <p:txBody>
-          <a:bodyPr wrap="none">
-            <a:spAutoFit/>
-          </a:bodyPr>
-          <a:lstStyle/>
-          <a:p>
-            <a:r>
-              <a:rPr lang="zh-TW" altLang="en-US" dirty="0"/>
-              <a:t>intitle:儒鴻永續綠色生產</a:t>
-            </a:r>
-          </a:p>
-        </p:txBody>
-      </p:sp>
+      <p:graphicFrame>
+        <p:nvGraphicFramePr>
+          <p:cNvPr id="4" name="表格 3"/>
+          <p:cNvGraphicFramePr>
+            <a:graphicFrameLocks noGrp="1"/>
+          </p:cNvGraphicFramePr>
+          <p:nvPr>
+            <p:extLst>
+              <p:ext uri="{D42A27DB-BD31-4B8C-83A1-F6EECF244321}">
+                <p14:modId xmlns:p14="http://schemas.microsoft.com/office/powerpoint/2010/main" val="4096657887"/>
+              </p:ext>
+            </p:extLst>
+          </p:nvPr>
+        </p:nvGraphicFramePr>
+        <p:xfrm>
+          <a:off x="1711235" y="365758"/>
+          <a:ext cx="10162903" cy="6221780"/>
+        </p:xfrm>
+        <a:graphic>
+          <a:graphicData uri="http://schemas.openxmlformats.org/drawingml/2006/table">
+            <a:tbl>
+              <a:tblPr firstRow="1" bandRow="1">
+                <a:tableStyleId>{5C22544A-7EE6-4342-B048-85BDC9FD1C3A}</a:tableStyleId>
+              </a:tblPr>
+              <a:tblGrid>
+                <a:gridCol w="2830055">
+                  <a:extLst>
+                    <a:ext uri="{9D8B030D-6E8A-4147-A177-3AD203B41FA5}">
+                      <a16:colId xmlns:a16="http://schemas.microsoft.com/office/drawing/2014/main" val="188183820"/>
+                    </a:ext>
+                  </a:extLst>
+                </a:gridCol>
+                <a:gridCol w="6274756">
+                  <a:extLst>
+                    <a:ext uri="{9D8B030D-6E8A-4147-A177-3AD203B41FA5}">
+                      <a16:colId xmlns:a16="http://schemas.microsoft.com/office/drawing/2014/main" val="2231146898"/>
+                    </a:ext>
+                  </a:extLst>
+                </a:gridCol>
+                <a:gridCol w="1058092">
+                  <a:extLst>
+                    <a:ext uri="{9D8B030D-6E8A-4147-A177-3AD203B41FA5}">
+                      <a16:colId xmlns:a16="http://schemas.microsoft.com/office/drawing/2014/main" val="2974030782"/>
+                    </a:ext>
+                  </a:extLst>
+                </a:gridCol>
+              </a:tblGrid>
+              <a:tr h="344237">
+                <a:tc>
+                  <a:txBody>
+                    <a:bodyPr/>
+                    <a:lstStyle/>
+                    <a:p>
+                      <a:r>
+                        <a:rPr lang="zh-TW" altLang="en-US" dirty="0" smtClean="0"/>
+                        <a:t>關鍵字</a:t>
+                      </a:r>
+                      <a:endParaRPr lang="zh-TW" altLang="en-US" dirty="0"/>
+                    </a:p>
+                  </a:txBody>
+                  <a:tcPr/>
+                </a:tc>
+                <a:tc>
+                  <a:txBody>
+                    <a:bodyPr/>
+                    <a:lstStyle/>
+                    <a:p>
+                      <a:r>
+                        <a:rPr lang="zh-TW" altLang="en-US" dirty="0" smtClean="0"/>
+                        <a:t>網址</a:t>
+                      </a:r>
+                      <a:endParaRPr lang="zh-TW" altLang="en-US" dirty="0"/>
+                    </a:p>
+                  </a:txBody>
+                  <a:tcPr/>
+                </a:tc>
+                <a:tc>
+                  <a:txBody>
+                    <a:bodyPr/>
+                    <a:lstStyle/>
+                    <a:p>
+                      <a:r>
+                        <a:rPr lang="zh-TW" altLang="en-US" dirty="0" smtClean="0"/>
+                        <a:t>備註</a:t>
+                      </a:r>
+                      <a:endParaRPr lang="zh-TW" altLang="en-US" dirty="0"/>
+                    </a:p>
+                  </a:txBody>
+                  <a:tcPr/>
+                </a:tc>
+                <a:extLst>
+                  <a:ext uri="{0D108BD9-81ED-4DB2-BD59-A6C34878D82A}">
+                    <a16:rowId xmlns:a16="http://schemas.microsoft.com/office/drawing/2014/main" val="1425577068"/>
+                  </a:ext>
+                </a:extLst>
+              </a:tr>
+              <a:tr h="951645">
+                <a:tc>
+                  <a:txBody>
+                    <a:bodyPr/>
+                    <a:lstStyle/>
+                    <a:p>
+                      <a:pPr marL="0" marR="0" indent="0" algn="l" defTabSz="457200" rtl="0" eaLnBrk="1" fontAlgn="auto" latinLnBrk="0" hangingPunct="1">
+                        <a:lnSpc>
+                          <a:spcPct val="100000"/>
+                        </a:lnSpc>
+                        <a:spcBef>
+                          <a:spcPts val="0"/>
+                        </a:spcBef>
+                        <a:spcAft>
+                          <a:spcPts val="0"/>
+                        </a:spcAft>
+                        <a:buClrTx/>
+                        <a:buSzTx/>
+                        <a:buFontTx/>
+                        <a:buNone/>
+                        <a:tabLst/>
+                        <a:defRPr/>
+                      </a:pPr>
+                      <a:r>
+                        <a:rPr lang="zh-TW" altLang="en-US" dirty="0" smtClean="0"/>
+                        <a:t>intitle:儒鴻永續綠色生產</a:t>
+                      </a:r>
+                    </a:p>
+                  </a:txBody>
+                  <a:tcPr/>
+                </a:tc>
+                <a:tc>
+                  <a:txBody>
+                    <a:bodyPr/>
+                    <a:lstStyle/>
+                    <a:p>
+                      <a:r>
+                        <a:rPr lang="en-US" altLang="zh-TW" dirty="0" smtClean="0">
+                          <a:hlinkClick r:id="rId2"/>
+                        </a:rPr>
+                        <a:t>https://www.digitimes.com.tw/iot/article.asp?cat=158&amp;cat1=20&amp;cat2=10&amp;id=0000565608_xgm7c5wilgtzzw91xntyk</a:t>
+                      </a:r>
+                      <a:endParaRPr lang="en-US" altLang="zh-TW" dirty="0" smtClean="0"/>
+                    </a:p>
+                  </a:txBody>
+                  <a:tcPr/>
+                </a:tc>
+                <a:tc>
+                  <a:txBody>
+                    <a:bodyPr/>
+                    <a:lstStyle/>
+                    <a:p>
+                      <a:endParaRPr lang="en-US" altLang="zh-TW" dirty="0" smtClean="0"/>
+                    </a:p>
+                  </a:txBody>
+                  <a:tcPr/>
+                </a:tc>
+                <a:extLst>
+                  <a:ext uri="{0D108BD9-81ED-4DB2-BD59-A6C34878D82A}">
+                    <a16:rowId xmlns:a16="http://schemas.microsoft.com/office/drawing/2014/main" val="621022642"/>
+                  </a:ext>
+                </a:extLst>
+              </a:tr>
+              <a:tr h="2049697">
+                <a:tc>
+                  <a:txBody>
+                    <a:bodyPr/>
+                    <a:lstStyle/>
+                    <a:p>
+                      <a:pPr marL="0" marR="0" indent="0" algn="l" defTabSz="457200" rtl="0" eaLnBrk="1" fontAlgn="auto" latinLnBrk="0" hangingPunct="1">
+                        <a:lnSpc>
+                          <a:spcPct val="100000"/>
+                        </a:lnSpc>
+                        <a:spcBef>
+                          <a:spcPts val="0"/>
+                        </a:spcBef>
+                        <a:spcAft>
+                          <a:spcPts val="0"/>
+                        </a:spcAft>
+                        <a:buClrTx/>
+                        <a:buSzTx/>
+                        <a:buFontTx/>
+                        <a:buNone/>
+                        <a:tabLst/>
+                        <a:defRPr/>
+                      </a:pPr>
+                      <a:r>
+                        <a:rPr lang="zh-TW" altLang="en-US" dirty="0" smtClean="0"/>
+                        <a:t>intitle:台灣機能紡織</a:t>
+                      </a:r>
+                    </a:p>
+                  </a:txBody>
+                  <a:tcPr/>
+                </a:tc>
+                <a:tc>
+                  <a:txBody>
+                    <a:bodyPr/>
+                    <a:lstStyle/>
+                    <a:p>
+                      <a:r>
+                        <a:rPr lang="en-US" altLang="zh-TW" dirty="0" smtClean="0">
+                          <a:hlinkClick r:id="rId3"/>
+                        </a:rPr>
+                        <a:t>https://www.ctexflow.com/post/%E8%90%BD%E5%AF%A6%E6%B0%B8%E7%BA%8C%E7%B6%93%E7%87%9F%E7%90%86%E5%BF%B5%E8%88%87%E7%B6%A0%E8%89%B2%E7%94%9F%E7%94%A2%E7%9A%84%E5%84%92%E9%B4%BB%E4%BC%81%E6%A5%AD</a:t>
+                      </a:r>
+                      <a:endParaRPr lang="en-US" altLang="zh-TW" dirty="0" smtClean="0"/>
+                    </a:p>
+                  </a:txBody>
+                  <a:tcPr/>
+                </a:tc>
+                <a:tc>
+                  <a:txBody>
+                    <a:bodyPr/>
+                    <a:lstStyle/>
+                    <a:p>
+                      <a:endParaRPr lang="en-US" altLang="zh-TW" dirty="0" smtClean="0"/>
+                    </a:p>
+                  </a:txBody>
+                  <a:tcPr/>
+                </a:tc>
+                <a:extLst>
+                  <a:ext uri="{0D108BD9-81ED-4DB2-BD59-A6C34878D82A}">
+                    <a16:rowId xmlns:a16="http://schemas.microsoft.com/office/drawing/2014/main" val="3782116165"/>
+                  </a:ext>
+                </a:extLst>
+              </a:tr>
+              <a:tr h="732035">
+                <a:tc>
+                  <a:txBody>
+                    <a:bodyPr/>
+                    <a:lstStyle/>
+                    <a:p>
+                      <a:r>
+                        <a:rPr lang="en-US" altLang="zh-TW" dirty="0" err="1" smtClean="0"/>
+                        <a:t>intitle</a:t>
+                      </a:r>
+                      <a:r>
+                        <a:rPr lang="en-US" altLang="zh-TW" dirty="0" smtClean="0"/>
+                        <a:t>:</a:t>
+                      </a:r>
+                      <a:r>
+                        <a:rPr lang="zh-TW" altLang="en-US" dirty="0" smtClean="0"/>
+                        <a:t>台灣紡織自創品牌</a:t>
+                      </a:r>
+                      <a:endParaRPr lang="zh-TW" altLang="en-US" dirty="0"/>
+                    </a:p>
+                  </a:txBody>
+                  <a:tcPr/>
+                </a:tc>
+                <a:tc>
+                  <a:txBody>
+                    <a:bodyPr/>
+                    <a:lstStyle/>
+                    <a:p>
+                      <a:r>
+                        <a:rPr lang="en-US" altLang="zh-TW" dirty="0" smtClean="0">
+                          <a:hlinkClick r:id="rId4"/>
+                        </a:rPr>
+                        <a:t>https://www.tnet.org.tw/Article/Detail/11745?species=DefaultClass</a:t>
+                      </a:r>
+                      <a:endParaRPr lang="en-US" altLang="zh-TW" dirty="0" smtClean="0"/>
+                    </a:p>
+                  </a:txBody>
+                  <a:tcPr/>
+                </a:tc>
+                <a:tc>
+                  <a:txBody>
+                    <a:bodyPr/>
+                    <a:lstStyle/>
+                    <a:p>
+                      <a:endParaRPr lang="en-US" altLang="zh-TW" dirty="0" smtClean="0"/>
+                    </a:p>
+                  </a:txBody>
+                  <a:tcPr/>
+                </a:tc>
+                <a:extLst>
+                  <a:ext uri="{0D108BD9-81ED-4DB2-BD59-A6C34878D82A}">
+                    <a16:rowId xmlns:a16="http://schemas.microsoft.com/office/drawing/2014/main" val="2050348732"/>
+                  </a:ext>
+                </a:extLst>
+              </a:tr>
+              <a:tr h="732035">
+                <a:tc>
+                  <a:txBody>
+                    <a:bodyPr/>
+                    <a:lstStyle/>
+                    <a:p>
+                      <a:r>
+                        <a:rPr lang="en-US" altLang="zh-TW" dirty="0" err="1" smtClean="0"/>
+                        <a:t>intitle</a:t>
+                      </a:r>
+                      <a:r>
+                        <a:rPr lang="en-US" altLang="zh-TW" dirty="0" smtClean="0"/>
+                        <a:t>:</a:t>
+                      </a:r>
+                      <a:r>
+                        <a:rPr lang="zh-TW" altLang="en-US" dirty="0" smtClean="0"/>
+                        <a:t>環保紡織領航</a:t>
+                      </a:r>
+                      <a:endParaRPr lang="zh-TW" altLang="en-US" dirty="0"/>
+                    </a:p>
+                  </a:txBody>
+                  <a:tcPr/>
+                </a:tc>
+                <a:tc>
+                  <a:txBody>
+                    <a:bodyPr/>
+                    <a:lstStyle/>
+                    <a:p>
+                      <a:r>
+                        <a:rPr lang="en-US" altLang="zh-TW" dirty="0" smtClean="0">
+                          <a:hlinkClick r:id="rId5"/>
+                        </a:rPr>
+                        <a:t>https://www.ecomaxtex.com/eco%E2%80%90textile-godfather/?lang=zh-hant</a:t>
+                      </a:r>
+                      <a:endParaRPr lang="en-US" altLang="zh-TW" dirty="0" smtClean="0"/>
+                    </a:p>
+                  </a:txBody>
+                  <a:tcPr/>
+                </a:tc>
+                <a:tc>
+                  <a:txBody>
+                    <a:bodyPr/>
+                    <a:lstStyle/>
+                    <a:p>
+                      <a:endParaRPr lang="en-US" altLang="zh-TW" dirty="0" smtClean="0"/>
+                    </a:p>
+                  </a:txBody>
+                  <a:tcPr/>
+                </a:tc>
+                <a:extLst>
+                  <a:ext uri="{0D108BD9-81ED-4DB2-BD59-A6C34878D82A}">
+                    <a16:rowId xmlns:a16="http://schemas.microsoft.com/office/drawing/2014/main" val="2274654023"/>
+                  </a:ext>
+                </a:extLst>
+              </a:tr>
+              <a:tr h="512424">
+                <a:tc>
+                  <a:txBody>
+                    <a:bodyPr/>
+                    <a:lstStyle/>
+                    <a:p>
+                      <a:r>
+                        <a:rPr lang="en-US" altLang="zh-TW" dirty="0" err="1" smtClean="0"/>
+                        <a:t>intitle</a:t>
+                      </a:r>
+                      <a:r>
+                        <a:rPr lang="en-US" altLang="zh-TW" dirty="0" smtClean="0"/>
+                        <a:t>:</a:t>
+                      </a:r>
+                      <a:r>
+                        <a:rPr lang="zh-TW" altLang="en-US" dirty="0" smtClean="0"/>
+                        <a:t>綠色環保紡織材料</a:t>
+                      </a:r>
+                      <a:endParaRPr lang="zh-TW" altLang="en-US" dirty="0"/>
+                    </a:p>
+                  </a:txBody>
+                  <a:tcPr/>
+                </a:tc>
+                <a:tc>
+                  <a:txBody>
+                    <a:bodyPr/>
+                    <a:lstStyle/>
+                    <a:p>
+                      <a:r>
+                        <a:rPr lang="en-US" altLang="zh-TW" dirty="0" smtClean="0">
+                          <a:hlinkClick r:id="rId6"/>
+                        </a:rPr>
+                        <a:t>https://www.tnet.org.tw/Article/Detail/2108</a:t>
+                      </a:r>
+                      <a:endParaRPr lang="en-US" altLang="zh-TW" dirty="0" smtClean="0"/>
+                    </a:p>
+                  </a:txBody>
+                  <a:tcPr/>
+                </a:tc>
+                <a:tc>
+                  <a:txBody>
+                    <a:bodyPr/>
+                    <a:lstStyle/>
+                    <a:p>
+                      <a:endParaRPr lang="en-US" altLang="zh-TW" dirty="0" smtClean="0"/>
+                    </a:p>
+                  </a:txBody>
+                  <a:tcPr/>
+                </a:tc>
+                <a:extLst>
+                  <a:ext uri="{0D108BD9-81ED-4DB2-BD59-A6C34878D82A}">
+                    <a16:rowId xmlns:a16="http://schemas.microsoft.com/office/drawing/2014/main" val="1698401486"/>
+                  </a:ext>
+                </a:extLst>
+              </a:tr>
+              <a:tr h="512424">
+                <a:tc>
+                  <a:txBody>
+                    <a:bodyPr/>
+                    <a:lstStyle/>
+                    <a:p>
+                      <a:r>
+                        <a:rPr lang="en-US" altLang="zh-TW" dirty="0" err="1" smtClean="0"/>
+                        <a:t>intitle</a:t>
+                      </a:r>
+                      <a:r>
+                        <a:rPr lang="en-US" altLang="zh-TW" dirty="0" smtClean="0"/>
+                        <a:t>:</a:t>
+                      </a:r>
+                      <a:r>
+                        <a:rPr lang="zh-TW" altLang="en-US" dirty="0" smtClean="0"/>
+                        <a:t>環保機能布料</a:t>
+                      </a:r>
+                      <a:endParaRPr lang="zh-TW" altLang="en-US" dirty="0"/>
+                    </a:p>
+                  </a:txBody>
+                  <a:tcPr/>
+                </a:tc>
+                <a:tc>
+                  <a:txBody>
+                    <a:bodyPr/>
+                    <a:lstStyle/>
+                    <a:p>
+                      <a:r>
+                        <a:rPr lang="en-US" altLang="zh-TW" dirty="0" smtClean="0">
+                          <a:hlinkClick r:id="rId7"/>
+                        </a:rPr>
+                        <a:t>https://www.gvm.com.tw/article/41732</a:t>
+                      </a:r>
+                      <a:endParaRPr lang="en-US" altLang="zh-TW" dirty="0" smtClean="0"/>
+                    </a:p>
+                  </a:txBody>
+                  <a:tcPr/>
+                </a:tc>
+                <a:tc>
+                  <a:txBody>
+                    <a:bodyPr/>
+                    <a:lstStyle/>
+                    <a:p>
+                      <a:endParaRPr lang="en-US" altLang="zh-TW" dirty="0" smtClean="0"/>
+                    </a:p>
+                  </a:txBody>
+                  <a:tcPr/>
+                </a:tc>
+                <a:extLst>
+                  <a:ext uri="{0D108BD9-81ED-4DB2-BD59-A6C34878D82A}">
+                    <a16:rowId xmlns:a16="http://schemas.microsoft.com/office/drawing/2014/main" val="4138272084"/>
+                  </a:ext>
+                </a:extLst>
+              </a:tr>
+              <a:tr h="344237">
+                <a:tc>
+                  <a:txBody>
+                    <a:bodyPr/>
+                    <a:lstStyle/>
+                    <a:p>
+                      <a:endParaRPr lang="zh-TW" altLang="en-US"/>
+                    </a:p>
+                  </a:txBody>
+                  <a:tcPr/>
+                </a:tc>
+                <a:tc>
+                  <a:txBody>
+                    <a:bodyPr/>
+                    <a:lstStyle/>
+                    <a:p>
+                      <a:endParaRPr lang="zh-TW" altLang="en-US" dirty="0"/>
+                    </a:p>
+                  </a:txBody>
+                  <a:tcPr/>
+                </a:tc>
+                <a:tc>
+                  <a:txBody>
+                    <a:bodyPr/>
+                    <a:lstStyle/>
+                    <a:p>
+                      <a:endParaRPr lang="zh-TW" altLang="en-US" dirty="0"/>
+                    </a:p>
+                  </a:txBody>
+                  <a:tcPr/>
+                </a:tc>
+                <a:extLst>
+                  <a:ext uri="{0D108BD9-81ED-4DB2-BD59-A6C34878D82A}">
+                    <a16:rowId xmlns:a16="http://schemas.microsoft.com/office/drawing/2014/main" val="895908426"/>
+                  </a:ext>
+                </a:extLst>
+              </a:tr>
+            </a:tbl>
+          </a:graphicData>
+        </a:graphic>
+      </p:graphicFrame>
     </p:spTree>
     <p:extLst>
       <p:ext uri="{BB962C8B-B14F-4D97-AF65-F5344CB8AC3E}">
-        <p14:creationId xmlns:p14="http://schemas.microsoft.com/office/powerpoint/2010/main" val="2521929305"/>
-      </p:ext>
-    </p:extLst>
-  </p:cSld>
-  <p:clrMapOvr>
-    <a:masterClrMapping/>
-  </p:clrMapOvr>
-</p:sld>
-</file>
-
-<file path=ppt/slides/slide2.xml><?xml version="1.0" encoding="utf-8"?>
-<p:sld xmlns:a="http://schemas.openxmlformats.org/drawingml/2006/main" xmlns:r="http://schemas.openxmlformats.org/officeDocument/2006/relationships" xmlns:p="http://schemas.openxmlformats.org/presentationml/2006/main">
-  <p:cSld>
-    <p:spTree>
-      <p:nvGrpSpPr>
-        <p:cNvPr id="1" name=""/>
-        <p:cNvGrpSpPr/>
-        <p:nvPr/>
-      </p:nvGrpSpPr>
-      <p:grpSpPr>
-        <a:xfrm>
-          <a:off x="0" y="0"/>
-          <a:ext cx="0" cy="0"/>
-          <a:chOff x="0" y="0"/>
-          <a:chExt cx="0" cy="0"/>
-        </a:xfrm>
-      </p:grpSpPr>
-      <p:pic>
-        <p:nvPicPr>
-          <p:cNvPr id="4" name="圖片 3"/>
-          <p:cNvPicPr>
-            <a:picLocks noChangeAspect="1"/>
-          </p:cNvPicPr>
-          <p:nvPr/>
-        </p:nvPicPr>
-        <p:blipFill>
-          <a:blip r:embed="rId2"/>
-          <a:stretch>
-            <a:fillRect/>
-          </a:stretch>
-        </p:blipFill>
-        <p:spPr>
-          <a:xfrm>
-            <a:off x="2215248" y="1804410"/>
-            <a:ext cx="7735380" cy="4372585"/>
-          </a:xfrm>
-          <a:prstGeom prst="rect">
-            <a:avLst/>
-          </a:prstGeom>
-        </p:spPr>
-      </p:pic>
-      <p:sp>
-        <p:nvSpPr>
-          <p:cNvPr id="5" name="矩形 4"/>
-          <p:cNvSpPr/>
-          <p:nvPr/>
-        </p:nvSpPr>
-        <p:spPr>
-          <a:xfrm>
-            <a:off x="1823747" y="873375"/>
-            <a:ext cx="2222083" cy="369332"/>
-          </a:xfrm>
-          <a:prstGeom prst="rect">
-            <a:avLst/>
-          </a:prstGeom>
-        </p:spPr>
-        <p:txBody>
-          <a:bodyPr wrap="none">
-            <a:spAutoFit/>
-          </a:bodyPr>
-          <a:lstStyle/>
-          <a:p>
-            <a:r>
-              <a:rPr lang="zh-TW" altLang="en-US" dirty="0"/>
-              <a:t>intitle:台灣機能紡織</a:t>
-            </a:r>
-          </a:p>
-        </p:txBody>
-      </p:sp>
-    </p:spTree>
-    <p:extLst>
-      <p:ext uri="{BB962C8B-B14F-4D97-AF65-F5344CB8AC3E}">
-        <p14:creationId xmlns:p14="http://schemas.microsoft.com/office/powerpoint/2010/main" val="2662000856"/>
-      </p:ext>
-    </p:extLst>
-  </p:cSld>
-  <p:clrMapOvr>
-    <a:masterClrMapping/>
-  </p:clrMapOvr>
-</p:sld>
-</file>
-
-<file path=ppt/slides/slide3.xml><?xml version="1.0" encoding="utf-8"?>
-<p:sld xmlns:a="http://schemas.openxmlformats.org/drawingml/2006/main" xmlns:r="http://schemas.openxmlformats.org/officeDocument/2006/relationships" xmlns:p="http://schemas.openxmlformats.org/presentationml/2006/main">
-  <p:cSld>
-    <p:spTree>
-      <p:nvGrpSpPr>
-        <p:cNvPr id="1" name=""/>
-        <p:cNvGrpSpPr/>
-        <p:nvPr/>
-      </p:nvGrpSpPr>
-      <p:grpSpPr>
-        <a:xfrm>
-          <a:off x="0" y="0"/>
-          <a:ext cx="0" cy="0"/>
-          <a:chOff x="0" y="0"/>
-          <a:chExt cx="0" cy="0"/>
-        </a:xfrm>
-      </p:grpSpPr>
-      <p:pic>
-        <p:nvPicPr>
-          <p:cNvPr id="4" name="圖片 3"/>
-          <p:cNvPicPr>
-            <a:picLocks noChangeAspect="1"/>
-          </p:cNvPicPr>
-          <p:nvPr/>
-        </p:nvPicPr>
-        <p:blipFill>
-          <a:blip r:embed="rId2"/>
-          <a:stretch>
-            <a:fillRect/>
-          </a:stretch>
-        </p:blipFill>
-        <p:spPr>
-          <a:xfrm>
-            <a:off x="2194560" y="1682031"/>
-            <a:ext cx="6114623" cy="4761830"/>
-          </a:xfrm>
-          <a:prstGeom prst="rect">
-            <a:avLst/>
-          </a:prstGeom>
-        </p:spPr>
-      </p:pic>
-      <p:sp>
-        <p:nvSpPr>
-          <p:cNvPr id="5" name="矩形 4"/>
-          <p:cNvSpPr/>
-          <p:nvPr/>
-        </p:nvSpPr>
-        <p:spPr>
-          <a:xfrm>
-            <a:off x="2194560" y="827705"/>
-            <a:ext cx="2222083" cy="369332"/>
-          </a:xfrm>
-          <a:prstGeom prst="rect">
-            <a:avLst/>
-          </a:prstGeom>
-        </p:spPr>
-        <p:txBody>
-          <a:bodyPr wrap="none">
-            <a:spAutoFit/>
-          </a:bodyPr>
-          <a:lstStyle/>
-          <a:p>
-            <a:r>
-              <a:rPr lang="zh-TW" altLang="en-US" dirty="0"/>
-              <a:t>intitle:台灣環保布料</a:t>
-            </a:r>
-          </a:p>
-        </p:txBody>
-      </p:sp>
-    </p:spTree>
-    <p:extLst>
-      <p:ext uri="{BB962C8B-B14F-4D97-AF65-F5344CB8AC3E}">
-        <p14:creationId xmlns:p14="http://schemas.microsoft.com/office/powerpoint/2010/main" val="3636498031"/>
+        <p14:creationId xmlns:p14="http://schemas.microsoft.com/office/powerpoint/2010/main" val="3040448874"/>
       </p:ext>
     </p:extLst>
   </p:cSld>
@@ -8141,4 +8362,207 @@
     </a:ext>
   </a:extLst>
 </a:theme>
+</file>
+
+<file path=customXml/item1.xml><?xml version="1.0" encoding="utf-8"?>
+<ct:contentTypeSchema xmlns:ct="http://schemas.microsoft.com/office/2006/metadata/contentType" xmlns:ma="http://schemas.microsoft.com/office/2006/metadata/properties/metaAttributes" ct:_="" ma:_="" ma:contentTypeName="文件" ma:contentTypeID="0x01010048515193313CE1429973FB9BDC64AEE4" ma:contentTypeVersion="9" ma:contentTypeDescription="建立新的文件。" ma:contentTypeScope="" ma:versionID="13df6d2332658cd72187ee3a05756638">
+  <xsd:schema xmlns:xsd="http://www.w3.org/2001/XMLSchema" xmlns:xs="http://www.w3.org/2001/XMLSchema" xmlns:p="http://schemas.microsoft.com/office/2006/metadata/properties" xmlns:ns2="6c222bee-1a3c-4e12-9b8a-d765ac4680b6" targetNamespace="http://schemas.microsoft.com/office/2006/metadata/properties" ma:root="true" ma:fieldsID="57c0299307f9390ebe4c13598766630f" ns2:_="">
+    <xsd:import namespace="6c222bee-1a3c-4e12-9b8a-d765ac4680b6"/>
+    <xsd:element name="properties">
+      <xsd:complexType>
+        <xsd:sequence>
+          <xsd:element name="documentManagement">
+            <xsd:complexType>
+              <xsd:all>
+                <xsd:element ref="ns2:MediaServiceMetadata" minOccurs="0"/>
+                <xsd:element ref="ns2:MediaServiceFastMetadata" minOccurs="0"/>
+                <xsd:element ref="ns2:MediaServiceDateTaken" minOccurs="0"/>
+                <xsd:element ref="ns2:MediaLengthInSeconds" minOccurs="0"/>
+                <xsd:element ref="ns2:MediaServiceAutoTags" minOccurs="0"/>
+                <xsd:element ref="ns2:MediaServiceOCR" minOccurs="0"/>
+                <xsd:element ref="ns2:MediaServiceGenerationTime" minOccurs="0"/>
+                <xsd:element ref="ns2:MediaServiceEventHashCode" minOccurs="0"/>
+                <xsd:element ref="ns2:MediaServiceLocation" minOccurs="0"/>
+              </xsd:all>
+            </xsd:complexType>
+          </xsd:element>
+        </xsd:sequence>
+      </xsd:complexType>
+    </xsd:element>
+  </xsd:schema>
+  <xsd:schema xmlns:xsd="http://www.w3.org/2001/XMLSchema" xmlns:xs="http://www.w3.org/2001/XMLSchema" xmlns:dms="http://schemas.microsoft.com/office/2006/documentManagement/types" xmlns:pc="http://schemas.microsoft.com/office/infopath/2007/PartnerControls" targetNamespace="6c222bee-1a3c-4e12-9b8a-d765ac4680b6" elementFormDefault="qualified">
+    <xsd:import namespace="http://schemas.microsoft.com/office/2006/documentManagement/types"/>
+    <xsd:import namespace="http://schemas.microsoft.com/office/infopath/2007/PartnerControls"/>
+    <xsd:element name="MediaServiceMetadata" ma:index="8" nillable="true" ma:displayName="MediaServiceMetadata" ma:hidden="true" ma:internalName="MediaServiceMetadata" ma:readOnly="true">
+      <xsd:simpleType>
+        <xsd:restriction base="dms:Note"/>
+      </xsd:simpleType>
+    </xsd:element>
+    <xsd:element name="MediaServiceFastMetadata" ma:index="9" nillable="true" ma:displayName="MediaServiceFastMetadata" ma:hidden="true" ma:internalName="MediaServiceFastMetadata" ma:readOnly="true">
+      <xsd:simpleType>
+        <xsd:restriction base="dms:Note"/>
+      </xsd:simpleType>
+    </xsd:element>
+    <xsd:element name="MediaServiceDateTaken" ma:index="10" nillable="true" ma:displayName="MediaServiceDateTaken" ma:hidden="true" ma:internalName="MediaServiceDateTaken" ma:readOnly="true">
+      <xsd:simpleType>
+        <xsd:restriction base="dms:Text"/>
+      </xsd:simpleType>
+    </xsd:element>
+    <xsd:element name="MediaLengthInSeconds" ma:index="11" nillable="true" ma:displayName="Length (seconds)" ma:internalName="MediaLengthInSeconds" ma:readOnly="true">
+      <xsd:simpleType>
+        <xsd:restriction base="dms:Unknown"/>
+      </xsd:simpleType>
+    </xsd:element>
+    <xsd:element name="MediaServiceAutoTags" ma:index="12" nillable="true" ma:displayName="Tags" ma:internalName="MediaServiceAutoTags" ma:readOnly="true">
+      <xsd:simpleType>
+        <xsd:restriction base="dms:Text"/>
+      </xsd:simpleType>
+    </xsd:element>
+    <xsd:element name="MediaServiceOCR" ma:index="13" nillable="true" ma:displayName="Extracted Text" ma:internalName="MediaServiceOCR" ma:readOnly="true">
+      <xsd:simpleType>
+        <xsd:restriction base="dms:Note">
+          <xsd:maxLength value="255"/>
+        </xsd:restriction>
+      </xsd:simpleType>
+    </xsd:element>
+    <xsd:element name="MediaServiceGenerationTime" ma:index="14" nillable="true" ma:displayName="MediaServiceGenerationTime" ma:hidden="true" ma:internalName="MediaServiceGenerationTime" ma:readOnly="true">
+      <xsd:simpleType>
+        <xsd:restriction base="dms:Text"/>
+      </xsd:simpleType>
+    </xsd:element>
+    <xsd:element name="MediaServiceEventHashCode" ma:index="15" nillable="true" ma:displayName="MediaServiceEventHashCode" ma:hidden="true" ma:internalName="MediaServiceEventHashCode" ma:readOnly="true">
+      <xsd:simpleType>
+        <xsd:restriction base="dms:Text"/>
+      </xsd:simpleType>
+    </xsd:element>
+    <xsd:element name="MediaServiceLocation" ma:index="16" nillable="true" ma:displayName="Location" ma:internalName="MediaServiceLocation" ma:readOnly="true">
+      <xsd:simpleType>
+        <xsd:restriction base="dms:Text"/>
+      </xsd:simpleType>
+    </xsd:element>
+  </xsd:schema>
+  <xsd:schema xmlns="http://schemas.openxmlformats.org/package/2006/metadata/core-properties" xmlns:xsd="http://www.w3.org/2001/XMLSchema" xmlns:xsi="http://www.w3.org/2001/XMLSchema-instance" xmlns:dc="http://purl.org/dc/elements/1.1/" xmlns:dcterms="http://purl.org/dc/terms/" xmlns:odoc="http://schemas.microsoft.com/internal/obd" targetNamespace="http://schemas.openxmlformats.org/package/2006/metadata/core-properties" elementFormDefault="qualified" attributeFormDefault="unqualified" blockDefault="#all">
+    <xsd:import namespace="http://purl.org/dc/elements/1.1/" schemaLocation="http://dublincore.org/schemas/xmls/qdc/2003/04/02/dc.xsd"/>
+    <xsd:import namespace="http://purl.org/dc/terms/" schemaLocation="http://dublincore.org/schemas/xmls/qdc/2003/04/02/dcterms.xsd"/>
+    <xsd:element name="coreProperties" type="CT_coreProperties"/>
+    <xsd:complexType name="CT_coreProperties">
+      <xsd:all>
+        <xsd:element ref="dc:creator" minOccurs="0" maxOccurs="1"/>
+        <xsd:element ref="dcterms:created" minOccurs="0" maxOccurs="1"/>
+        <xsd:element ref="dc:identifier" minOccurs="0" maxOccurs="1"/>
+        <xsd:element name="contentType" minOccurs="0" maxOccurs="1" type="xsd:string" ma:index="0" ma:displayName="內容類型"/>
+        <xsd:element ref="dc:title" minOccurs="0" maxOccurs="1" ma:index="4" ma:displayName="標題"/>
+        <xsd:element ref="dc:subject" minOccurs="0" maxOccurs="1"/>
+        <xsd:element ref="dc:description" minOccurs="0" maxOccurs="1"/>
+        <xsd:element name="keywords" minOccurs="0" maxOccurs="1" type="xsd:string"/>
+        <xsd:element ref="dc:language" minOccurs="0" maxOccurs="1"/>
+        <xsd:element name="category" minOccurs="0" maxOccurs="1" type="xsd:string"/>
+        <xsd:element name="version" minOccurs="0" maxOccurs="1" type="xsd:string"/>
+        <xsd:element name="revision" minOccurs="0" maxOccurs="1" type="xsd:string">
+          <xsd:annotation>
+            <xsd:documentation>
+                        This value indicates the number of saves or revisions. The application is responsible for updating this value after each revision.
+                    </xsd:documentation>
+          </xsd:annotation>
+        </xsd:element>
+        <xsd:element name="lastModifiedBy" minOccurs="0" maxOccurs="1" type="xsd:string"/>
+        <xsd:element ref="dcterms:modified" minOccurs="0" maxOccurs="1"/>
+        <xsd:element name="contentStatus" minOccurs="0" maxOccurs="1" type="xsd:string"/>
+      </xsd:all>
+    </xsd:complexType>
+  </xsd:schema>
+  <xs:schema xmlns:pc="http://schemas.microsoft.com/office/infopath/2007/PartnerControls" xmlns:xs="http://www.w3.org/2001/XMLSchema" targetNamespace="http://schemas.microsoft.com/office/infopath/2007/PartnerControls" elementFormDefault="qualified" attributeFormDefault="unqualified">
+    <xs:element name="Person">
+      <xs:complexType>
+        <xs:sequence>
+          <xs:element ref="pc:DisplayName" minOccurs="0"/>
+          <xs:element ref="pc:AccountId" minOccurs="0"/>
+          <xs:element ref="pc:AccountType" minOccurs="0"/>
+        </xs:sequence>
+      </xs:complexType>
+    </xs:element>
+    <xs:element name="DisplayName" type="xs:string"/>
+    <xs:element name="AccountId" type="xs:string"/>
+    <xs:element name="AccountType" type="xs:string"/>
+    <xs:element name="BDCAssociatedEntity">
+      <xs:complexType>
+        <xs:sequence>
+          <xs:element ref="pc:BDCEntity" minOccurs="0" maxOccurs="unbounded"/>
+        </xs:sequence>
+        <xs:attribute ref="pc:EntityNamespace"/>
+        <xs:attribute ref="pc:EntityName"/>
+        <xs:attribute ref="pc:SystemInstanceName"/>
+        <xs:attribute ref="pc:AssociationName"/>
+      </xs:complexType>
+    </xs:element>
+    <xs:attribute name="EntityNamespace" type="xs:string"/>
+    <xs:attribute name="EntityName" type="xs:string"/>
+    <xs:attribute name="SystemInstanceName" type="xs:string"/>
+    <xs:attribute name="AssociationName" type="xs:string"/>
+    <xs:element name="BDCEntity">
+      <xs:complexType>
+        <xs:sequence>
+          <xs:element ref="pc:EntityDisplayName" minOccurs="0"/>
+          <xs:element ref="pc:EntityInstanceReference" minOccurs="0"/>
+          <xs:element ref="pc:EntityId1" minOccurs="0"/>
+          <xs:element ref="pc:EntityId2" minOccurs="0"/>
+          <xs:element ref="pc:EntityId3" minOccurs="0"/>
+          <xs:element ref="pc:EntityId4" minOccurs="0"/>
+          <xs:element ref="pc:EntityId5" minOccurs="0"/>
+        </xs:sequence>
+      </xs:complexType>
+    </xs:element>
+    <xs:element name="EntityDisplayName" type="xs:string"/>
+    <xs:element name="EntityInstanceReference" type="xs:string"/>
+    <xs:element name="EntityId1" type="xs:string"/>
+    <xs:element name="EntityId2" type="xs:string"/>
+    <xs:element name="EntityId3" type="xs:string"/>
+    <xs:element name="EntityId4" type="xs:string"/>
+    <xs:element name="EntityId5" type="xs:string"/>
+    <xs:element name="Terms">
+      <xs:complexType>
+        <xs:sequence>
+          <xs:element ref="pc:TermInfo" minOccurs="0" maxOccurs="unbounded"/>
+        </xs:sequence>
+      </xs:complexType>
+    </xs:element>
+    <xs:element name="TermInfo">
+      <xs:complexType>
+        <xs:sequence>
+          <xs:element ref="pc:TermName" minOccurs="0"/>
+          <xs:element ref="pc:TermId" minOccurs="0"/>
+        </xs:sequence>
+      </xs:complexType>
+    </xs:element>
+    <xs:element name="TermName" type="xs:string"/>
+    <xs:element name="TermId" type="xs:string"/>
+  </xs:schema>
+</ct:contentTypeSchema>
+</file>
+
+<file path=customXml/item2.xml><?xml version="1.0" encoding="utf-8"?>
+<?mso-contentType ?>
+<FormTemplates xmlns="http://schemas.microsoft.com/sharepoint/v3/contenttype/forms">
+  <Display>DocumentLibraryForm</Display>
+  <Edit>DocumentLibraryForm</Edit>
+  <New>DocumentLibraryForm</New>
+</FormTemplates>
+</file>
+
+<file path=customXml/item3.xml><?xml version="1.0" encoding="utf-8"?>
+<p:properties xmlns:p="http://schemas.microsoft.com/office/2006/metadata/properties" xmlns:xsi="http://www.w3.org/2001/XMLSchema-instance" xmlns:pc="http://schemas.microsoft.com/office/infopath/2007/PartnerControls">
+  <documentManagement/>
+</p:properties>
+</file>
+
+<file path=customXml/itemProps1.xml><?xml version="1.0" encoding="utf-8"?>
+<ds:datastoreItem xmlns:ds="http://schemas.openxmlformats.org/officeDocument/2006/customXml" ds:itemID="{06A560D4-9ED4-4FEC-9D4C-F62AC8B0EE50}"/>
+</file>
+
+<file path=customXml/itemProps2.xml><?xml version="1.0" encoding="utf-8"?>
+<ds:datastoreItem xmlns:ds="http://schemas.openxmlformats.org/officeDocument/2006/customXml" ds:itemID="{C5B80211-F433-483E-AC0C-D247CAD830E0}"/>
+</file>
+
+<file path=customXml/itemProps3.xml><?xml version="1.0" encoding="utf-8"?>
+<ds:datastoreItem xmlns:ds="http://schemas.openxmlformats.org/officeDocument/2006/customXml" ds:itemID="{DAC02F5B-5924-4D86-8566-6BD3B8D7E370}"/>
 </file>